--- a/GraphQL_v3.pptx
+++ b/GraphQL_v3.pptx
@@ -38,6 +38,7 @@
     <p:sldId id="285" r:id="rId32"/>
     <p:sldId id="289" r:id="rId33"/>
     <p:sldId id="290" r:id="rId34"/>
+    <p:sldId id="291" r:id="rId35"/>
   </p:sldIdLst>
   <p:sldSz cx="9144000" cy="6858000" type="screen4x3"/>
   <p:notesSz cx="6858000" cy="9144000"/>
@@ -335,7 +336,7 @@
             <a:fld id="{1D8BD707-D9CF-40AE-B4C6-C98DA3205C09}" type="datetimeFigureOut">
               <a:rPr lang="en-US" smtClean="0"/>
               <a:pPr/>
-              <a:t>3/20/2019</a:t>
+              <a:t>3/21/2019</a:t>
             </a:fld>
             <a:endParaRPr lang="en-US"/>
           </a:p>
@@ -500,7 +501,7 @@
             <a:fld id="{1D8BD707-D9CF-40AE-B4C6-C98DA3205C09}" type="datetimeFigureOut">
               <a:rPr lang="en-US" smtClean="0"/>
               <a:pPr/>
-              <a:t>3/20/2019</a:t>
+              <a:t>3/21/2019</a:t>
             </a:fld>
             <a:endParaRPr lang="en-US"/>
           </a:p>
@@ -675,7 +676,7 @@
             <a:fld id="{1D8BD707-D9CF-40AE-B4C6-C98DA3205C09}" type="datetimeFigureOut">
               <a:rPr lang="en-US" smtClean="0"/>
               <a:pPr/>
-              <a:t>3/20/2019</a:t>
+              <a:t>3/21/2019</a:t>
             </a:fld>
             <a:endParaRPr lang="en-US"/>
           </a:p>
@@ -840,7 +841,7 @@
             <a:fld id="{1D8BD707-D9CF-40AE-B4C6-C98DA3205C09}" type="datetimeFigureOut">
               <a:rPr lang="en-US" smtClean="0"/>
               <a:pPr/>
-              <a:t>3/20/2019</a:t>
+              <a:t>3/21/2019</a:t>
             </a:fld>
             <a:endParaRPr lang="en-US"/>
           </a:p>
@@ -1082,7 +1083,7 @@
             <a:fld id="{1D8BD707-D9CF-40AE-B4C6-C98DA3205C09}" type="datetimeFigureOut">
               <a:rPr lang="en-US" smtClean="0"/>
               <a:pPr/>
-              <a:t>3/20/2019</a:t>
+              <a:t>3/21/2019</a:t>
             </a:fld>
             <a:endParaRPr lang="en-US"/>
           </a:p>
@@ -1364,7 +1365,7 @@
             <a:fld id="{1D8BD707-D9CF-40AE-B4C6-C98DA3205C09}" type="datetimeFigureOut">
               <a:rPr lang="en-US" smtClean="0"/>
               <a:pPr/>
-              <a:t>3/20/2019</a:t>
+              <a:t>3/21/2019</a:t>
             </a:fld>
             <a:endParaRPr lang="en-US"/>
           </a:p>
@@ -1780,7 +1781,7 @@
             <a:fld id="{1D8BD707-D9CF-40AE-B4C6-C98DA3205C09}" type="datetimeFigureOut">
               <a:rPr lang="en-US" smtClean="0"/>
               <a:pPr/>
-              <a:t>3/20/2019</a:t>
+              <a:t>3/21/2019</a:t>
             </a:fld>
             <a:endParaRPr lang="en-US"/>
           </a:p>
@@ -1894,7 +1895,7 @@
             <a:fld id="{1D8BD707-D9CF-40AE-B4C6-C98DA3205C09}" type="datetimeFigureOut">
               <a:rPr lang="en-US" smtClean="0"/>
               <a:pPr/>
-              <a:t>3/20/2019</a:t>
+              <a:t>3/21/2019</a:t>
             </a:fld>
             <a:endParaRPr lang="en-US"/>
           </a:p>
@@ -1986,7 +1987,7 @@
             <a:fld id="{1D8BD707-D9CF-40AE-B4C6-C98DA3205C09}" type="datetimeFigureOut">
               <a:rPr lang="en-US" smtClean="0"/>
               <a:pPr/>
-              <a:t>3/20/2019</a:t>
+              <a:t>3/21/2019</a:t>
             </a:fld>
             <a:endParaRPr lang="en-US"/>
           </a:p>
@@ -2258,7 +2259,7 @@
             <a:fld id="{1D8BD707-D9CF-40AE-B4C6-C98DA3205C09}" type="datetimeFigureOut">
               <a:rPr lang="en-US" smtClean="0"/>
               <a:pPr/>
-              <a:t>3/20/2019</a:t>
+              <a:t>3/21/2019</a:t>
             </a:fld>
             <a:endParaRPr lang="en-US"/>
           </a:p>
@@ -2507,7 +2508,7 @@
             <a:fld id="{1D8BD707-D9CF-40AE-B4C6-C98DA3205C09}" type="datetimeFigureOut">
               <a:rPr lang="en-US" smtClean="0"/>
               <a:pPr/>
-              <a:t>3/20/2019</a:t>
+              <a:t>3/21/2019</a:t>
             </a:fld>
             <a:endParaRPr lang="en-US"/>
           </a:p>
@@ -2715,7 +2716,7 @@
             <a:fld id="{1D8BD707-D9CF-40AE-B4C6-C98DA3205C09}" type="datetimeFigureOut">
               <a:rPr lang="en-US" smtClean="0"/>
               <a:pPr/>
-              <a:t>3/20/2019</a:t>
+              <a:t>3/21/2019</a:t>
             </a:fld>
             <a:endParaRPr lang="en-US"/>
           </a:p>
@@ -6083,15 +6084,15 @@
         </p:nvSpPr>
         <p:spPr>
           <a:xfrm>
-            <a:off x="2286000" y="1305341"/>
-            <a:ext cx="4572000" cy="4524315"/>
+            <a:off x="228600" y="304801"/>
+            <a:ext cx="8763000" cy="6463308"/>
           </a:xfrm>
           <a:prstGeom prst="rect">
             <a:avLst/>
           </a:prstGeom>
         </p:spPr>
         <p:txBody>
-          <a:bodyPr>
+          <a:bodyPr wrap="square">
             <a:spAutoFit/>
           </a:bodyPr>
           <a:lstStyle/>
@@ -6139,15 +6140,57 @@
               <a:rPr lang="en-GB" dirty="0">
                 <a:hlinkClick r:id="rId5"/>
               </a:rPr>
-              <a:t>https://www.slideshare.net/SudheerJ3</a:t>
-            </a:r>
-            <a:r>
-              <a:rPr lang="en-GB">
-                <a:hlinkClick r:id="rId5"/>
+              <a:t>https://www.slideshare.net/SudheerJ3/graphql-api-crafts-presentation</a:t>
+            </a:r>
+            <a:endParaRPr lang="en-GB" dirty="0"/>
+          </a:p>
+          <a:p>
+            <a:endParaRPr lang="en-GB" dirty="0"/>
+          </a:p>
+          <a:p>
+            <a:r>
+              <a:rPr lang="en-GB" dirty="0">
+                <a:hlinkClick r:id="rId6"/>
               </a:rPr>
-              <a:t>/graphql-api-crafts-presentation</a:t>
-            </a:r>
-            <a:endParaRPr lang="en-GB"/>
+              <a:t>http://slidedeck.io/OlegIlyenko/presentation-graphql-introduction</a:t>
+            </a:r>
+            <a:endParaRPr lang="en-GB" dirty="0"/>
+          </a:p>
+          <a:p>
+            <a:endParaRPr lang="en-GB" dirty="0"/>
+          </a:p>
+          <a:p>
+            <a:endParaRPr lang="en-GB" dirty="0"/>
+          </a:p>
+          <a:p>
+            <a:r>
+              <a:rPr lang="en-GB" dirty="0"/>
+              <a:t>Tutorials</a:t>
+            </a:r>
+          </a:p>
+          <a:p>
+            <a:endParaRPr lang="en-GB" dirty="0"/>
+          </a:p>
+          <a:p>
+            <a:r>
+              <a:rPr lang="en-GB" dirty="0">
+                <a:hlinkClick r:id="rId7"/>
+              </a:rPr>
+              <a:t>https://scotch.io/tutorials/a-practical-graphql-getting-started-guide-with-nodejs</a:t>
+            </a:r>
+            <a:endParaRPr lang="en-GB" dirty="0"/>
+          </a:p>
+          <a:p>
+            <a:endParaRPr lang="en-GB" dirty="0"/>
+          </a:p>
+          <a:p>
+            <a:endParaRPr lang="en-GB" dirty="0"/>
+          </a:p>
+          <a:p>
+            <a:endParaRPr lang="en-GB" dirty="0"/>
+          </a:p>
+          <a:p>
+            <a:endParaRPr lang="en-GB" dirty="0"/>
           </a:p>
           <a:p>
             <a:endParaRPr lang="en-GB" dirty="0"/>
@@ -6161,6 +6204,36 @@
     <p:extLst>
       <p:ext uri="{BB962C8B-B14F-4D97-AF65-F5344CB8AC3E}">
         <p14:creationId xmlns:p14="http://schemas.microsoft.com/office/powerpoint/2010/main" val="151862505"/>
+      </p:ext>
+    </p:extLst>
+  </p:cSld>
+  <p:clrMapOvr>
+    <a:masterClrMapping/>
+  </p:clrMapOvr>
+</p:sld>
+</file>
+
+<file path=ppt/slides/slide34.xml><?xml version="1.0" encoding="utf-8"?>
+<p:sld xmlns:a="http://schemas.openxmlformats.org/drawingml/2006/main" xmlns:r="http://schemas.openxmlformats.org/officeDocument/2006/relationships" xmlns:p="http://schemas.openxmlformats.org/presentationml/2006/main">
+  <p:cSld>
+    <p:spTree>
+      <p:nvGrpSpPr>
+        <p:cNvPr id="1" name=""/>
+        <p:cNvGrpSpPr/>
+        <p:nvPr/>
+      </p:nvGrpSpPr>
+      <p:grpSpPr>
+        <a:xfrm>
+          <a:off x="0" y="0"/>
+          <a:ext cx="0" cy="0"/>
+          <a:chOff x="0" y="0"/>
+          <a:chExt cx="0" cy="0"/>
+        </a:xfrm>
+      </p:grpSpPr>
+    </p:spTree>
+    <p:extLst>
+      <p:ext uri="{BB962C8B-B14F-4D97-AF65-F5344CB8AC3E}">
+        <p14:creationId xmlns:p14="http://schemas.microsoft.com/office/powerpoint/2010/main" val="102135405"/>
       </p:ext>
     </p:extLst>
   </p:cSld>

--- a/GraphQL_v3.pptx
+++ b/GraphQL_v3.pptx
@@ -336,7 +336,7 @@
             <a:fld id="{1D8BD707-D9CF-40AE-B4C6-C98DA3205C09}" type="datetimeFigureOut">
               <a:rPr lang="en-US" smtClean="0"/>
               <a:pPr/>
-              <a:t>3/21/2019</a:t>
+              <a:t>3/26/2019</a:t>
             </a:fld>
             <a:endParaRPr lang="en-US"/>
           </a:p>
@@ -501,7 +501,7 @@
             <a:fld id="{1D8BD707-D9CF-40AE-B4C6-C98DA3205C09}" type="datetimeFigureOut">
               <a:rPr lang="en-US" smtClean="0"/>
               <a:pPr/>
-              <a:t>3/21/2019</a:t>
+              <a:t>3/26/2019</a:t>
             </a:fld>
             <a:endParaRPr lang="en-US"/>
           </a:p>
@@ -676,7 +676,7 @@
             <a:fld id="{1D8BD707-D9CF-40AE-B4C6-C98DA3205C09}" type="datetimeFigureOut">
               <a:rPr lang="en-US" smtClean="0"/>
               <a:pPr/>
-              <a:t>3/21/2019</a:t>
+              <a:t>3/26/2019</a:t>
             </a:fld>
             <a:endParaRPr lang="en-US"/>
           </a:p>
@@ -841,7 +841,7 @@
             <a:fld id="{1D8BD707-D9CF-40AE-B4C6-C98DA3205C09}" type="datetimeFigureOut">
               <a:rPr lang="en-US" smtClean="0"/>
               <a:pPr/>
-              <a:t>3/21/2019</a:t>
+              <a:t>3/26/2019</a:t>
             </a:fld>
             <a:endParaRPr lang="en-US"/>
           </a:p>
@@ -1083,7 +1083,7 @@
             <a:fld id="{1D8BD707-D9CF-40AE-B4C6-C98DA3205C09}" type="datetimeFigureOut">
               <a:rPr lang="en-US" smtClean="0"/>
               <a:pPr/>
-              <a:t>3/21/2019</a:t>
+              <a:t>3/26/2019</a:t>
             </a:fld>
             <a:endParaRPr lang="en-US"/>
           </a:p>
@@ -1365,7 +1365,7 @@
             <a:fld id="{1D8BD707-D9CF-40AE-B4C6-C98DA3205C09}" type="datetimeFigureOut">
               <a:rPr lang="en-US" smtClean="0"/>
               <a:pPr/>
-              <a:t>3/21/2019</a:t>
+              <a:t>3/26/2019</a:t>
             </a:fld>
             <a:endParaRPr lang="en-US"/>
           </a:p>
@@ -1781,7 +1781,7 @@
             <a:fld id="{1D8BD707-D9CF-40AE-B4C6-C98DA3205C09}" type="datetimeFigureOut">
               <a:rPr lang="en-US" smtClean="0"/>
               <a:pPr/>
-              <a:t>3/21/2019</a:t>
+              <a:t>3/26/2019</a:t>
             </a:fld>
             <a:endParaRPr lang="en-US"/>
           </a:p>
@@ -1895,7 +1895,7 @@
             <a:fld id="{1D8BD707-D9CF-40AE-B4C6-C98DA3205C09}" type="datetimeFigureOut">
               <a:rPr lang="en-US" smtClean="0"/>
               <a:pPr/>
-              <a:t>3/21/2019</a:t>
+              <a:t>3/26/2019</a:t>
             </a:fld>
             <a:endParaRPr lang="en-US"/>
           </a:p>
@@ -1987,7 +1987,7 @@
             <a:fld id="{1D8BD707-D9CF-40AE-B4C6-C98DA3205C09}" type="datetimeFigureOut">
               <a:rPr lang="en-US" smtClean="0"/>
               <a:pPr/>
-              <a:t>3/21/2019</a:t>
+              <a:t>3/26/2019</a:t>
             </a:fld>
             <a:endParaRPr lang="en-US"/>
           </a:p>
@@ -2259,7 +2259,7 @@
             <a:fld id="{1D8BD707-D9CF-40AE-B4C6-C98DA3205C09}" type="datetimeFigureOut">
               <a:rPr lang="en-US" smtClean="0"/>
               <a:pPr/>
-              <a:t>3/21/2019</a:t>
+              <a:t>3/26/2019</a:t>
             </a:fld>
             <a:endParaRPr lang="en-US"/>
           </a:p>
@@ -2508,7 +2508,7 @@
             <a:fld id="{1D8BD707-D9CF-40AE-B4C6-C98DA3205C09}" type="datetimeFigureOut">
               <a:rPr lang="en-US" smtClean="0"/>
               <a:pPr/>
-              <a:t>3/21/2019</a:t>
+              <a:t>3/26/2019</a:t>
             </a:fld>
             <a:endParaRPr lang="en-US"/>
           </a:p>
@@ -2716,7 +2716,7 @@
             <a:fld id="{1D8BD707-D9CF-40AE-B4C6-C98DA3205C09}" type="datetimeFigureOut">
               <a:rPr lang="en-US" smtClean="0"/>
               <a:pPr/>
-              <a:t>3/21/2019</a:t>
+              <a:t>3/26/2019</a:t>
             </a:fld>
             <a:endParaRPr lang="en-US"/>
           </a:p>
@@ -6085,7 +6085,7 @@
         <p:spPr>
           <a:xfrm>
             <a:off x="228600" y="304801"/>
-            <a:ext cx="8763000" cy="6463308"/>
+            <a:ext cx="8763000" cy="6740307"/>
           </a:xfrm>
           <a:prstGeom prst="rect">
             <a:avLst/>
@@ -6187,6 +6187,15 @@
             <a:endParaRPr lang="en-GB" dirty="0"/>
           </a:p>
           <a:p>
+            <a:endParaRPr lang="en-GB" dirty="0"/>
+          </a:p>
+          <a:p>
+            <a:r>
+              <a:rPr lang="en-GB" dirty="0">
+                <a:hlinkClick r:id="rId8"/>
+              </a:rPr>
+              <a:t>https://www.slideshare.net/InfoQ/serverless-graphql</a:t>
+            </a:r>
             <a:endParaRPr lang="en-GB" dirty="0"/>
           </a:p>
           <a:p>
@@ -6360,7 +6369,7 @@
           <a:p>
             <a:r>
               <a:rPr lang="en-GB" sz="4000" dirty="0"/>
-              <a:t>Data </a:t>
+              <a:t>Application Data </a:t>
             </a:r>
             <a:r>
               <a:rPr lang="en-GB" sz="4000" b="1" dirty="0"/>
@@ -6381,8 +6390,16 @@
         </p:nvSpPr>
         <p:spPr/>
         <p:txBody>
-          <a:bodyPr/>
-          <a:lstStyle/>
+          <a:bodyPr>
+            <a:normAutofit/>
+          </a:bodyPr>
+          <a:lstStyle/>
+          <a:p>
+            <a:r>
+              <a:rPr lang="en-GB" dirty="0"/>
+              <a:t>A lot of data in modern applications can be represented using a graph of nodes and edges,</a:t>
+            </a:r>
+          </a:p>
           <a:p>
             <a:r>
               <a:rPr lang="en-GB" dirty="0"/>
@@ -6780,7 +6797,7 @@
         <p:spPr>
           <a:xfrm>
             <a:off x="838200" y="1371600"/>
-            <a:ext cx="6657975" cy="2133600"/>
+            <a:ext cx="8075239" cy="2133600"/>
           </a:xfrm>
           <a:prstGeom prst="rect">
             <a:avLst/>

--- a/GraphQL_v3.pptx
+++ b/GraphQL_v3.pptx
@@ -336,7 +336,7 @@
             <a:fld id="{1D8BD707-D9CF-40AE-B4C6-C98DA3205C09}" type="datetimeFigureOut">
               <a:rPr lang="en-US" smtClean="0"/>
               <a:pPr/>
-              <a:t>3/26/2019</a:t>
+              <a:t>3/27/2019</a:t>
             </a:fld>
             <a:endParaRPr lang="en-US"/>
           </a:p>
@@ -501,7 +501,7 @@
             <a:fld id="{1D8BD707-D9CF-40AE-B4C6-C98DA3205C09}" type="datetimeFigureOut">
               <a:rPr lang="en-US" smtClean="0"/>
               <a:pPr/>
-              <a:t>3/26/2019</a:t>
+              <a:t>3/27/2019</a:t>
             </a:fld>
             <a:endParaRPr lang="en-US"/>
           </a:p>
@@ -676,7 +676,7 @@
             <a:fld id="{1D8BD707-D9CF-40AE-B4C6-C98DA3205C09}" type="datetimeFigureOut">
               <a:rPr lang="en-US" smtClean="0"/>
               <a:pPr/>
-              <a:t>3/26/2019</a:t>
+              <a:t>3/27/2019</a:t>
             </a:fld>
             <a:endParaRPr lang="en-US"/>
           </a:p>
@@ -841,7 +841,7 @@
             <a:fld id="{1D8BD707-D9CF-40AE-B4C6-C98DA3205C09}" type="datetimeFigureOut">
               <a:rPr lang="en-US" smtClean="0"/>
               <a:pPr/>
-              <a:t>3/26/2019</a:t>
+              <a:t>3/27/2019</a:t>
             </a:fld>
             <a:endParaRPr lang="en-US"/>
           </a:p>
@@ -1083,7 +1083,7 @@
             <a:fld id="{1D8BD707-D9CF-40AE-B4C6-C98DA3205C09}" type="datetimeFigureOut">
               <a:rPr lang="en-US" smtClean="0"/>
               <a:pPr/>
-              <a:t>3/26/2019</a:t>
+              <a:t>3/27/2019</a:t>
             </a:fld>
             <a:endParaRPr lang="en-US"/>
           </a:p>
@@ -1365,7 +1365,7 @@
             <a:fld id="{1D8BD707-D9CF-40AE-B4C6-C98DA3205C09}" type="datetimeFigureOut">
               <a:rPr lang="en-US" smtClean="0"/>
               <a:pPr/>
-              <a:t>3/26/2019</a:t>
+              <a:t>3/27/2019</a:t>
             </a:fld>
             <a:endParaRPr lang="en-US"/>
           </a:p>
@@ -1781,7 +1781,7 @@
             <a:fld id="{1D8BD707-D9CF-40AE-B4C6-C98DA3205C09}" type="datetimeFigureOut">
               <a:rPr lang="en-US" smtClean="0"/>
               <a:pPr/>
-              <a:t>3/26/2019</a:t>
+              <a:t>3/27/2019</a:t>
             </a:fld>
             <a:endParaRPr lang="en-US"/>
           </a:p>
@@ -1895,7 +1895,7 @@
             <a:fld id="{1D8BD707-D9CF-40AE-B4C6-C98DA3205C09}" type="datetimeFigureOut">
               <a:rPr lang="en-US" smtClean="0"/>
               <a:pPr/>
-              <a:t>3/26/2019</a:t>
+              <a:t>3/27/2019</a:t>
             </a:fld>
             <a:endParaRPr lang="en-US"/>
           </a:p>
@@ -1987,7 +1987,7 @@
             <a:fld id="{1D8BD707-D9CF-40AE-B4C6-C98DA3205C09}" type="datetimeFigureOut">
               <a:rPr lang="en-US" smtClean="0"/>
               <a:pPr/>
-              <a:t>3/26/2019</a:t>
+              <a:t>3/27/2019</a:t>
             </a:fld>
             <a:endParaRPr lang="en-US"/>
           </a:p>
@@ -2259,7 +2259,7 @@
             <a:fld id="{1D8BD707-D9CF-40AE-B4C6-C98DA3205C09}" type="datetimeFigureOut">
               <a:rPr lang="en-US" smtClean="0"/>
               <a:pPr/>
-              <a:t>3/26/2019</a:t>
+              <a:t>3/27/2019</a:t>
             </a:fld>
             <a:endParaRPr lang="en-US"/>
           </a:p>
@@ -2508,7 +2508,7 @@
             <a:fld id="{1D8BD707-D9CF-40AE-B4C6-C98DA3205C09}" type="datetimeFigureOut">
               <a:rPr lang="en-US" smtClean="0"/>
               <a:pPr/>
-              <a:t>3/26/2019</a:t>
+              <a:t>3/27/2019</a:t>
             </a:fld>
             <a:endParaRPr lang="en-US"/>
           </a:p>
@@ -2716,7 +2716,7 @@
             <a:fld id="{1D8BD707-D9CF-40AE-B4C6-C98DA3205C09}" type="datetimeFigureOut">
               <a:rPr lang="en-US" smtClean="0"/>
               <a:pPr/>
-              <a:t>3/26/2019</a:t>
+              <a:t>3/27/2019</a:t>
             </a:fld>
             <a:endParaRPr lang="en-US"/>
           </a:p>
@@ -6085,7 +6085,7 @@
         <p:spPr>
           <a:xfrm>
             <a:off x="228600" y="304801"/>
-            <a:ext cx="8763000" cy="6740307"/>
+            <a:ext cx="8763000" cy="9510296"/>
           </a:xfrm>
           <a:prstGeom prst="rect">
             <a:avLst/>
@@ -6160,30 +6160,12 @@
             <a:endParaRPr lang="en-GB" dirty="0"/>
           </a:p>
           <a:p>
-            <a:endParaRPr lang="en-GB" dirty="0"/>
-          </a:p>
-          <a:p>
-            <a:r>
-              <a:rPr lang="en-GB" dirty="0"/>
-              <a:t>Tutorials</a:t>
-            </a:r>
-          </a:p>
-          <a:p>
-            <a:endParaRPr lang="en-GB" dirty="0"/>
-          </a:p>
-          <a:p>
             <a:r>
               <a:rPr lang="en-GB" dirty="0">
                 <a:hlinkClick r:id="rId7"/>
               </a:rPr>
-              <a:t>https://scotch.io/tutorials/a-practical-graphql-getting-started-guide-with-nodejs</a:t>
-            </a:r>
-            <a:endParaRPr lang="en-GB" dirty="0"/>
-          </a:p>
-          <a:p>
-            <a:endParaRPr lang="en-GB" dirty="0"/>
-          </a:p>
-          <a:p>
+              <a:t>https://andela.com/insights/graphql-types-relationships/</a:t>
+            </a:r>
             <a:endParaRPr lang="en-GB" dirty="0"/>
           </a:p>
           <a:p>
@@ -6193,6 +6175,84 @@
             <a:r>
               <a:rPr lang="en-GB" dirty="0">
                 <a:hlinkClick r:id="rId8"/>
+              </a:rPr>
+              <a:t>https://medium.com/@anilktalla/graphql-4a2bdfa08e9a</a:t>
+            </a:r>
+            <a:endParaRPr lang="en-GB" dirty="0"/>
+          </a:p>
+          <a:p>
+            <a:endParaRPr lang="en-GB" dirty="0"/>
+          </a:p>
+          <a:p>
+            <a:endParaRPr lang="en-GB" dirty="0"/>
+          </a:p>
+          <a:p>
+            <a:r>
+              <a:rPr lang="en-GB" dirty="0"/>
+              <a:t>Tutorials</a:t>
+            </a:r>
+          </a:p>
+          <a:p>
+            <a:endParaRPr lang="en-GB" dirty="0"/>
+          </a:p>
+          <a:p>
+            <a:endParaRPr lang="en-GB" dirty="0"/>
+          </a:p>
+          <a:p>
+            <a:r>
+              <a:rPr lang="en-GB" dirty="0">
+                <a:hlinkClick r:id="rId9"/>
+              </a:rPr>
+              <a:t>https://scotch.io/tutorials/a-practical-graphql-getting-started-guide-with-nodejs</a:t>
+            </a:r>
+            <a:endParaRPr lang="en-GB" dirty="0"/>
+          </a:p>
+          <a:p>
+            <a:endParaRPr lang="en-GB" dirty="0"/>
+          </a:p>
+          <a:p>
+            <a:r>
+              <a:rPr lang="en-GB" dirty="0">
+                <a:hlinkClick r:id="rId10"/>
+              </a:rPr>
+              <a:t>https://www.howtographql.com/basics/2-core-concepts/</a:t>
+            </a:r>
+            <a:endParaRPr lang="en-GB" dirty="0"/>
+          </a:p>
+          <a:p>
+            <a:endParaRPr lang="en-GB" dirty="0"/>
+          </a:p>
+          <a:p>
+            <a:r>
+              <a:rPr lang="en-GB" dirty="0">
+                <a:hlinkClick r:id="rId11"/>
+              </a:rPr>
+              <a:t>https://graphql.org/learn/</a:t>
+            </a:r>
+            <a:endParaRPr lang="en-GB" dirty="0"/>
+          </a:p>
+          <a:p>
+            <a:endParaRPr lang="en-GB" dirty="0"/>
+          </a:p>
+          <a:p>
+            <a:r>
+              <a:rPr lang="en-GB" dirty="0">
+                <a:hlinkClick r:id="rId12"/>
+              </a:rPr>
+              <a:t>https://www.prisma.io/blog/graphql-sdl-schema-definition-language-6755bcb9ce51</a:t>
+            </a:r>
+            <a:endParaRPr lang="en-GB" dirty="0"/>
+          </a:p>
+          <a:p>
+            <a:endParaRPr lang="en-GB" dirty="0"/>
+          </a:p>
+          <a:p>
+            <a:endParaRPr lang="en-GB" dirty="0"/>
+          </a:p>
+          <a:p>
+            <a:r>
+              <a:rPr lang="en-GB" dirty="0">
+                <a:hlinkClick r:id="rId13"/>
               </a:rPr>
               <a:t>https://www.slideshare.net/InfoQ/serverless-graphql</a:t>
             </a:r>

--- a/GraphQL_v3.pptx
+++ b/GraphQL_v3.pptx
@@ -336,7 +336,7 @@
             <a:fld id="{1D8BD707-D9CF-40AE-B4C6-C98DA3205C09}" type="datetimeFigureOut">
               <a:rPr lang="en-US" smtClean="0"/>
               <a:pPr/>
-              <a:t>3/27/2019</a:t>
+              <a:t>3/29/2019</a:t>
             </a:fld>
             <a:endParaRPr lang="en-US"/>
           </a:p>
@@ -501,7 +501,7 @@
             <a:fld id="{1D8BD707-D9CF-40AE-B4C6-C98DA3205C09}" type="datetimeFigureOut">
               <a:rPr lang="en-US" smtClean="0"/>
               <a:pPr/>
-              <a:t>3/27/2019</a:t>
+              <a:t>3/29/2019</a:t>
             </a:fld>
             <a:endParaRPr lang="en-US"/>
           </a:p>
@@ -676,7 +676,7 @@
             <a:fld id="{1D8BD707-D9CF-40AE-B4C6-C98DA3205C09}" type="datetimeFigureOut">
               <a:rPr lang="en-US" smtClean="0"/>
               <a:pPr/>
-              <a:t>3/27/2019</a:t>
+              <a:t>3/29/2019</a:t>
             </a:fld>
             <a:endParaRPr lang="en-US"/>
           </a:p>
@@ -841,7 +841,7 @@
             <a:fld id="{1D8BD707-D9CF-40AE-B4C6-C98DA3205C09}" type="datetimeFigureOut">
               <a:rPr lang="en-US" smtClean="0"/>
               <a:pPr/>
-              <a:t>3/27/2019</a:t>
+              <a:t>3/29/2019</a:t>
             </a:fld>
             <a:endParaRPr lang="en-US"/>
           </a:p>
@@ -1083,7 +1083,7 @@
             <a:fld id="{1D8BD707-D9CF-40AE-B4C6-C98DA3205C09}" type="datetimeFigureOut">
               <a:rPr lang="en-US" smtClean="0"/>
               <a:pPr/>
-              <a:t>3/27/2019</a:t>
+              <a:t>3/29/2019</a:t>
             </a:fld>
             <a:endParaRPr lang="en-US"/>
           </a:p>
@@ -1365,7 +1365,7 @@
             <a:fld id="{1D8BD707-D9CF-40AE-B4C6-C98DA3205C09}" type="datetimeFigureOut">
               <a:rPr lang="en-US" smtClean="0"/>
               <a:pPr/>
-              <a:t>3/27/2019</a:t>
+              <a:t>3/29/2019</a:t>
             </a:fld>
             <a:endParaRPr lang="en-US"/>
           </a:p>
@@ -1781,7 +1781,7 @@
             <a:fld id="{1D8BD707-D9CF-40AE-B4C6-C98DA3205C09}" type="datetimeFigureOut">
               <a:rPr lang="en-US" smtClean="0"/>
               <a:pPr/>
-              <a:t>3/27/2019</a:t>
+              <a:t>3/29/2019</a:t>
             </a:fld>
             <a:endParaRPr lang="en-US"/>
           </a:p>
@@ -1895,7 +1895,7 @@
             <a:fld id="{1D8BD707-D9CF-40AE-B4C6-C98DA3205C09}" type="datetimeFigureOut">
               <a:rPr lang="en-US" smtClean="0"/>
               <a:pPr/>
-              <a:t>3/27/2019</a:t>
+              <a:t>3/29/2019</a:t>
             </a:fld>
             <a:endParaRPr lang="en-US"/>
           </a:p>
@@ -1987,7 +1987,7 @@
             <a:fld id="{1D8BD707-D9CF-40AE-B4C6-C98DA3205C09}" type="datetimeFigureOut">
               <a:rPr lang="en-US" smtClean="0"/>
               <a:pPr/>
-              <a:t>3/27/2019</a:t>
+              <a:t>3/29/2019</a:t>
             </a:fld>
             <a:endParaRPr lang="en-US"/>
           </a:p>
@@ -2259,7 +2259,7 @@
             <a:fld id="{1D8BD707-D9CF-40AE-B4C6-C98DA3205C09}" type="datetimeFigureOut">
               <a:rPr lang="en-US" smtClean="0"/>
               <a:pPr/>
-              <a:t>3/27/2019</a:t>
+              <a:t>3/29/2019</a:t>
             </a:fld>
             <a:endParaRPr lang="en-US"/>
           </a:p>
@@ -2508,7 +2508,7 @@
             <a:fld id="{1D8BD707-D9CF-40AE-B4C6-C98DA3205C09}" type="datetimeFigureOut">
               <a:rPr lang="en-US" smtClean="0"/>
               <a:pPr/>
-              <a:t>3/27/2019</a:t>
+              <a:t>3/29/2019</a:t>
             </a:fld>
             <a:endParaRPr lang="en-US"/>
           </a:p>
@@ -2716,7 +2716,7 @@
             <a:fld id="{1D8BD707-D9CF-40AE-B4C6-C98DA3205C09}" type="datetimeFigureOut">
               <a:rPr lang="en-US" smtClean="0"/>
               <a:pPr/>
-              <a:t>3/27/2019</a:t>
+              <a:t>3/29/2019</a:t>
             </a:fld>
             <a:endParaRPr lang="en-US"/>
           </a:p>
@@ -6085,7 +6085,7 @@
         <p:spPr>
           <a:xfrm>
             <a:off x="228600" y="304801"/>
-            <a:ext cx="8763000" cy="9510296"/>
+            <a:ext cx="8763000" cy="10064294"/>
           </a:xfrm>
           <a:prstGeom prst="rect">
             <a:avLst/>
@@ -6184,27 +6184,24 @@
             <a:endParaRPr lang="en-GB" dirty="0"/>
           </a:p>
           <a:p>
-            <a:endParaRPr lang="en-GB" dirty="0"/>
-          </a:p>
-          <a:p>
-            <a:r>
-              <a:rPr lang="en-GB" dirty="0"/>
-              <a:t>Tutorials</a:t>
-            </a:r>
-          </a:p>
-          <a:p>
-            <a:endParaRPr lang="en-GB" dirty="0"/>
-          </a:p>
-          <a:p>
-            <a:endParaRPr lang="en-GB" dirty="0"/>
-          </a:p>
-          <a:p>
             <a:r>
               <a:rPr lang="en-GB" dirty="0">
                 <a:hlinkClick r:id="rId9"/>
               </a:rPr>
-              <a:t>https://scotch.io/tutorials/a-practical-graphql-getting-started-guide-with-nodejs</a:t>
-            </a:r>
+              <a:t>https://medium.com/codingthesmartway-com-blog/creating-a-graphql-server-with-node-js-and-express-f6dddc5320e1</a:t>
+            </a:r>
+            <a:endParaRPr lang="en-GB" dirty="0"/>
+          </a:p>
+          <a:p>
+            <a:endParaRPr lang="en-GB" dirty="0"/>
+          </a:p>
+          <a:p>
+            <a:r>
+              <a:rPr lang="en-GB" dirty="0"/>
+              <a:t>Tutorials</a:t>
+            </a:r>
+          </a:p>
+          <a:p>
             <a:endParaRPr lang="en-GB" dirty="0"/>
           </a:p>
           <a:p>
@@ -6215,7 +6212,7 @@
               <a:rPr lang="en-GB" dirty="0">
                 <a:hlinkClick r:id="rId10"/>
               </a:rPr>
-              <a:t>https://www.howtographql.com/basics/2-core-concepts/</a:t>
+              <a:t>https://scotch.io/tutorials/a-practical-graphql-getting-started-guide-with-nodejs</a:t>
             </a:r>
             <a:endParaRPr lang="en-GB" dirty="0"/>
           </a:p>
@@ -6227,7 +6224,7 @@
               <a:rPr lang="en-GB" dirty="0">
                 <a:hlinkClick r:id="rId11"/>
               </a:rPr>
-              <a:t>https://graphql.org/learn/</a:t>
+              <a:t>https://www.howtographql.com/basics/2-core-concepts/</a:t>
             </a:r>
             <a:endParaRPr lang="en-GB" dirty="0"/>
           </a:p>
@@ -6239,11 +6236,8 @@
               <a:rPr lang="en-GB" dirty="0">
                 <a:hlinkClick r:id="rId12"/>
               </a:rPr>
-              <a:t>https://www.prisma.io/blog/graphql-sdl-schema-definition-language-6755bcb9ce51</a:t>
-            </a:r>
-            <a:endParaRPr lang="en-GB" dirty="0"/>
-          </a:p>
-          <a:p>
+              <a:t>https://graphql.org/learn/</a:t>
+            </a:r>
             <a:endParaRPr lang="en-GB" dirty="0"/>
           </a:p>
           <a:p>
@@ -6253,6 +6247,21 @@
             <a:r>
               <a:rPr lang="en-GB" dirty="0">
                 <a:hlinkClick r:id="rId13"/>
+              </a:rPr>
+              <a:t>https://www.prisma.io/blog/graphql-sdl-schema-definition-language-6755bcb9ce51</a:t>
+            </a:r>
+            <a:endParaRPr lang="en-GB" dirty="0"/>
+          </a:p>
+          <a:p>
+            <a:endParaRPr lang="en-GB" dirty="0"/>
+          </a:p>
+          <a:p>
+            <a:endParaRPr lang="en-GB" dirty="0"/>
+          </a:p>
+          <a:p>
+            <a:r>
+              <a:rPr lang="en-GB" dirty="0">
+                <a:hlinkClick r:id="rId14"/>
               </a:rPr>
               <a:t>https://www.slideshare.net/InfoQ/serverless-graphql</a:t>
             </a:r>

--- a/GraphQL_v3.pptx
+++ b/GraphQL_v3.pptx
@@ -336,7 +336,7 @@
             <a:fld id="{1D8BD707-D9CF-40AE-B4C6-C98DA3205C09}" type="datetimeFigureOut">
               <a:rPr lang="en-US" smtClean="0"/>
               <a:pPr/>
-              <a:t>3/29/2019</a:t>
+              <a:t>4/2/2019</a:t>
             </a:fld>
             <a:endParaRPr lang="en-US"/>
           </a:p>
@@ -501,7 +501,7 @@
             <a:fld id="{1D8BD707-D9CF-40AE-B4C6-C98DA3205C09}" type="datetimeFigureOut">
               <a:rPr lang="en-US" smtClean="0"/>
               <a:pPr/>
-              <a:t>3/29/2019</a:t>
+              <a:t>4/2/2019</a:t>
             </a:fld>
             <a:endParaRPr lang="en-US"/>
           </a:p>
@@ -676,7 +676,7 @@
             <a:fld id="{1D8BD707-D9CF-40AE-B4C6-C98DA3205C09}" type="datetimeFigureOut">
               <a:rPr lang="en-US" smtClean="0"/>
               <a:pPr/>
-              <a:t>3/29/2019</a:t>
+              <a:t>4/2/2019</a:t>
             </a:fld>
             <a:endParaRPr lang="en-US"/>
           </a:p>
@@ -841,7 +841,7 @@
             <a:fld id="{1D8BD707-D9CF-40AE-B4C6-C98DA3205C09}" type="datetimeFigureOut">
               <a:rPr lang="en-US" smtClean="0"/>
               <a:pPr/>
-              <a:t>3/29/2019</a:t>
+              <a:t>4/2/2019</a:t>
             </a:fld>
             <a:endParaRPr lang="en-US"/>
           </a:p>
@@ -1083,7 +1083,7 @@
             <a:fld id="{1D8BD707-D9CF-40AE-B4C6-C98DA3205C09}" type="datetimeFigureOut">
               <a:rPr lang="en-US" smtClean="0"/>
               <a:pPr/>
-              <a:t>3/29/2019</a:t>
+              <a:t>4/2/2019</a:t>
             </a:fld>
             <a:endParaRPr lang="en-US"/>
           </a:p>
@@ -1365,7 +1365,7 @@
             <a:fld id="{1D8BD707-D9CF-40AE-B4C6-C98DA3205C09}" type="datetimeFigureOut">
               <a:rPr lang="en-US" smtClean="0"/>
               <a:pPr/>
-              <a:t>3/29/2019</a:t>
+              <a:t>4/2/2019</a:t>
             </a:fld>
             <a:endParaRPr lang="en-US"/>
           </a:p>
@@ -1781,7 +1781,7 @@
             <a:fld id="{1D8BD707-D9CF-40AE-B4C6-C98DA3205C09}" type="datetimeFigureOut">
               <a:rPr lang="en-US" smtClean="0"/>
               <a:pPr/>
-              <a:t>3/29/2019</a:t>
+              <a:t>4/2/2019</a:t>
             </a:fld>
             <a:endParaRPr lang="en-US"/>
           </a:p>
@@ -1895,7 +1895,7 @@
             <a:fld id="{1D8BD707-D9CF-40AE-B4C6-C98DA3205C09}" type="datetimeFigureOut">
               <a:rPr lang="en-US" smtClean="0"/>
               <a:pPr/>
-              <a:t>3/29/2019</a:t>
+              <a:t>4/2/2019</a:t>
             </a:fld>
             <a:endParaRPr lang="en-US"/>
           </a:p>
@@ -1987,7 +1987,7 @@
             <a:fld id="{1D8BD707-D9CF-40AE-B4C6-C98DA3205C09}" type="datetimeFigureOut">
               <a:rPr lang="en-US" smtClean="0"/>
               <a:pPr/>
-              <a:t>3/29/2019</a:t>
+              <a:t>4/2/2019</a:t>
             </a:fld>
             <a:endParaRPr lang="en-US"/>
           </a:p>
@@ -2259,7 +2259,7 @@
             <a:fld id="{1D8BD707-D9CF-40AE-B4C6-C98DA3205C09}" type="datetimeFigureOut">
               <a:rPr lang="en-US" smtClean="0"/>
               <a:pPr/>
-              <a:t>3/29/2019</a:t>
+              <a:t>4/2/2019</a:t>
             </a:fld>
             <a:endParaRPr lang="en-US"/>
           </a:p>
@@ -2508,7 +2508,7 @@
             <a:fld id="{1D8BD707-D9CF-40AE-B4C6-C98DA3205C09}" type="datetimeFigureOut">
               <a:rPr lang="en-US" smtClean="0"/>
               <a:pPr/>
-              <a:t>3/29/2019</a:t>
+              <a:t>4/2/2019</a:t>
             </a:fld>
             <a:endParaRPr lang="en-US"/>
           </a:p>
@@ -2716,7 +2716,7 @@
             <a:fld id="{1D8BD707-D9CF-40AE-B4C6-C98DA3205C09}" type="datetimeFigureOut">
               <a:rPr lang="en-US" smtClean="0"/>
               <a:pPr/>
-              <a:t>3/29/2019</a:t>
+              <a:t>4/2/2019</a:t>
             </a:fld>
             <a:endParaRPr lang="en-US"/>
           </a:p>
@@ -6085,7 +6085,7 @@
         <p:spPr>
           <a:xfrm>
             <a:off x="228600" y="304801"/>
-            <a:ext cx="8763000" cy="10064294"/>
+            <a:ext cx="8763000" cy="10895290"/>
           </a:xfrm>
           <a:prstGeom prst="rect">
             <a:avLst/>
@@ -6197,35 +6197,32 @@
           </a:p>
           <a:p>
             <a:r>
-              <a:rPr lang="en-GB" dirty="0"/>
-              <a:t>Tutorials</a:t>
-            </a:r>
-          </a:p>
-          <a:p>
-            <a:endParaRPr lang="en-GB" dirty="0"/>
-          </a:p>
-          <a:p>
-            <a:endParaRPr lang="en-GB" dirty="0"/>
-          </a:p>
-          <a:p>
-            <a:r>
               <a:rPr lang="en-GB" dirty="0">
                 <a:hlinkClick r:id="rId10"/>
               </a:rPr>
-              <a:t>https://scotch.io/tutorials/a-practical-graphql-getting-started-guide-with-nodejs</a:t>
+              <a:t>https://www.howtographql.com/basics/1-graphql-is-the-better-rest/</a:t>
             </a:r>
             <a:endParaRPr lang="en-GB" dirty="0"/>
           </a:p>
           <a:p>
-            <a:endParaRPr lang="en-GB" dirty="0"/>
-          </a:p>
-          <a:p>
-            <a:r>
-              <a:rPr lang="en-GB" dirty="0">
+            <a:r>
+              <a:rPr lang="en-GB">
                 <a:hlinkClick r:id="rId11"/>
               </a:rPr>
-              <a:t>https://www.howtographql.com/basics/2-core-concepts/</a:t>
-            </a:r>
+              <a:t>https://www.slideshare.net/nburk/react-graphql</a:t>
+            </a:r>
+            <a:endParaRPr lang="en-GB"/>
+          </a:p>
+          <a:p>
+            <a:endParaRPr lang="en-GB" dirty="0"/>
+          </a:p>
+          <a:p>
+            <a:r>
+              <a:rPr lang="en-GB" dirty="0"/>
+              <a:t>Tutorials</a:t>
+            </a:r>
+          </a:p>
+          <a:p>
             <a:endParaRPr lang="en-GB" dirty="0"/>
           </a:p>
           <a:p>
@@ -6236,7 +6233,7 @@
               <a:rPr lang="en-GB" dirty="0">
                 <a:hlinkClick r:id="rId12"/>
               </a:rPr>
-              <a:t>https://graphql.org/learn/</a:t>
+              <a:t>https://scotch.io/tutorials/a-practical-graphql-getting-started-guide-with-nodejs</a:t>
             </a:r>
             <a:endParaRPr lang="en-GB" dirty="0"/>
           </a:p>
@@ -6248,11 +6245,8 @@
               <a:rPr lang="en-GB" dirty="0">
                 <a:hlinkClick r:id="rId13"/>
               </a:rPr>
-              <a:t>https://www.prisma.io/blog/graphql-sdl-schema-definition-language-6755bcb9ce51</a:t>
-            </a:r>
-            <a:endParaRPr lang="en-GB" dirty="0"/>
-          </a:p>
-          <a:p>
+              <a:t>https://www.howtographql.com/basics/2-core-concepts/</a:t>
+            </a:r>
             <a:endParaRPr lang="en-GB" dirty="0"/>
           </a:p>
           <a:p>
@@ -6262,6 +6256,33 @@
             <a:r>
               <a:rPr lang="en-GB" dirty="0">
                 <a:hlinkClick r:id="rId14"/>
+              </a:rPr>
+              <a:t>https://graphql.org/learn/</a:t>
+            </a:r>
+            <a:endParaRPr lang="en-GB" dirty="0"/>
+          </a:p>
+          <a:p>
+            <a:endParaRPr lang="en-GB" dirty="0"/>
+          </a:p>
+          <a:p>
+            <a:r>
+              <a:rPr lang="en-GB" dirty="0">
+                <a:hlinkClick r:id="rId15"/>
+              </a:rPr>
+              <a:t>https://www.prisma.io/blog/graphql-sdl-schema-definition-language-6755bcb9ce51</a:t>
+            </a:r>
+            <a:endParaRPr lang="en-GB" dirty="0"/>
+          </a:p>
+          <a:p>
+            <a:endParaRPr lang="en-GB" dirty="0"/>
+          </a:p>
+          <a:p>
+            <a:endParaRPr lang="en-GB" dirty="0"/>
+          </a:p>
+          <a:p>
+            <a:r>
+              <a:rPr lang="en-GB" dirty="0">
+                <a:hlinkClick r:id="rId16"/>
               </a:rPr>
               <a:t>https://www.slideshare.net/InfoQ/serverless-graphql</a:t>
             </a:r>
@@ -6308,6 +6329,36 @@
           <a:chExt cx="0" cy="0"/>
         </a:xfrm>
       </p:grpSpPr>
+      <p:pic>
+        <p:nvPicPr>
+          <p:cNvPr id="2" name="Picture 1">
+            <a:extLst>
+              <a:ext uri="{FF2B5EF4-FFF2-40B4-BE49-F238E27FC236}">
+                <a16:creationId xmlns:a16="http://schemas.microsoft.com/office/drawing/2014/main" id="{E9C0F294-C407-4BBC-9B5A-640957F4C74F}"/>
+              </a:ext>
+            </a:extLst>
+          </p:cNvPr>
+          <p:cNvPicPr>
+            <a:picLocks noChangeAspect="1"/>
+          </p:cNvPicPr>
+          <p:nvPr/>
+        </p:nvPicPr>
+        <p:blipFill>
+          <a:blip r:embed="rId2"/>
+          <a:stretch>
+            <a:fillRect/>
+          </a:stretch>
+        </p:blipFill>
+        <p:spPr>
+          <a:xfrm>
+            <a:off x="1566862" y="823912"/>
+            <a:ext cx="6010275" cy="5210175"/>
+          </a:xfrm>
+          <a:prstGeom prst="rect">
+            <a:avLst/>
+          </a:prstGeom>
+        </p:spPr>
+      </p:pic>
     </p:spTree>
     <p:extLst>
       <p:ext uri="{BB962C8B-B14F-4D97-AF65-F5344CB8AC3E}">

--- a/GraphQL_v3.pptx
+++ b/GraphQL_v3.pptx
@@ -336,7 +336,7 @@
             <a:fld id="{1D8BD707-D9CF-40AE-B4C6-C98DA3205C09}" type="datetimeFigureOut">
               <a:rPr lang="en-US" smtClean="0"/>
               <a:pPr/>
-              <a:t>4/2/2019</a:t>
+              <a:t>4/5/2019</a:t>
             </a:fld>
             <a:endParaRPr lang="en-US"/>
           </a:p>
@@ -501,7 +501,7 @@
             <a:fld id="{1D8BD707-D9CF-40AE-B4C6-C98DA3205C09}" type="datetimeFigureOut">
               <a:rPr lang="en-US" smtClean="0"/>
               <a:pPr/>
-              <a:t>4/2/2019</a:t>
+              <a:t>4/5/2019</a:t>
             </a:fld>
             <a:endParaRPr lang="en-US"/>
           </a:p>
@@ -676,7 +676,7 @@
             <a:fld id="{1D8BD707-D9CF-40AE-B4C6-C98DA3205C09}" type="datetimeFigureOut">
               <a:rPr lang="en-US" smtClean="0"/>
               <a:pPr/>
-              <a:t>4/2/2019</a:t>
+              <a:t>4/5/2019</a:t>
             </a:fld>
             <a:endParaRPr lang="en-US"/>
           </a:p>
@@ -841,7 +841,7 @@
             <a:fld id="{1D8BD707-D9CF-40AE-B4C6-C98DA3205C09}" type="datetimeFigureOut">
               <a:rPr lang="en-US" smtClean="0"/>
               <a:pPr/>
-              <a:t>4/2/2019</a:t>
+              <a:t>4/5/2019</a:t>
             </a:fld>
             <a:endParaRPr lang="en-US"/>
           </a:p>
@@ -1083,7 +1083,7 @@
             <a:fld id="{1D8BD707-D9CF-40AE-B4C6-C98DA3205C09}" type="datetimeFigureOut">
               <a:rPr lang="en-US" smtClean="0"/>
               <a:pPr/>
-              <a:t>4/2/2019</a:t>
+              <a:t>4/5/2019</a:t>
             </a:fld>
             <a:endParaRPr lang="en-US"/>
           </a:p>
@@ -1365,7 +1365,7 @@
             <a:fld id="{1D8BD707-D9CF-40AE-B4C6-C98DA3205C09}" type="datetimeFigureOut">
               <a:rPr lang="en-US" smtClean="0"/>
               <a:pPr/>
-              <a:t>4/2/2019</a:t>
+              <a:t>4/5/2019</a:t>
             </a:fld>
             <a:endParaRPr lang="en-US"/>
           </a:p>
@@ -1781,7 +1781,7 @@
             <a:fld id="{1D8BD707-D9CF-40AE-B4C6-C98DA3205C09}" type="datetimeFigureOut">
               <a:rPr lang="en-US" smtClean="0"/>
               <a:pPr/>
-              <a:t>4/2/2019</a:t>
+              <a:t>4/5/2019</a:t>
             </a:fld>
             <a:endParaRPr lang="en-US"/>
           </a:p>
@@ -1895,7 +1895,7 @@
             <a:fld id="{1D8BD707-D9CF-40AE-B4C6-C98DA3205C09}" type="datetimeFigureOut">
               <a:rPr lang="en-US" smtClean="0"/>
               <a:pPr/>
-              <a:t>4/2/2019</a:t>
+              <a:t>4/5/2019</a:t>
             </a:fld>
             <a:endParaRPr lang="en-US"/>
           </a:p>
@@ -1987,7 +1987,7 @@
             <a:fld id="{1D8BD707-D9CF-40AE-B4C6-C98DA3205C09}" type="datetimeFigureOut">
               <a:rPr lang="en-US" smtClean="0"/>
               <a:pPr/>
-              <a:t>4/2/2019</a:t>
+              <a:t>4/5/2019</a:t>
             </a:fld>
             <a:endParaRPr lang="en-US"/>
           </a:p>
@@ -2259,7 +2259,7 @@
             <a:fld id="{1D8BD707-D9CF-40AE-B4C6-C98DA3205C09}" type="datetimeFigureOut">
               <a:rPr lang="en-US" smtClean="0"/>
               <a:pPr/>
-              <a:t>4/2/2019</a:t>
+              <a:t>4/5/2019</a:t>
             </a:fld>
             <a:endParaRPr lang="en-US"/>
           </a:p>
@@ -2508,7 +2508,7 @@
             <a:fld id="{1D8BD707-D9CF-40AE-B4C6-C98DA3205C09}" type="datetimeFigureOut">
               <a:rPr lang="en-US" smtClean="0"/>
               <a:pPr/>
-              <a:t>4/2/2019</a:t>
+              <a:t>4/5/2019</a:t>
             </a:fld>
             <a:endParaRPr lang="en-US"/>
           </a:p>
@@ -2716,7 +2716,7 @@
             <a:fld id="{1D8BD707-D9CF-40AE-B4C6-C98DA3205C09}" type="datetimeFigureOut">
               <a:rPr lang="en-US" smtClean="0"/>
               <a:pPr/>
-              <a:t>4/2/2019</a:t>
+              <a:t>4/5/2019</a:t>
             </a:fld>
             <a:endParaRPr lang="en-US"/>
           </a:p>
@@ -6085,7 +6085,7 @@
         <p:spPr>
           <a:xfrm>
             <a:off x="228600" y="304801"/>
-            <a:ext cx="8763000" cy="10895290"/>
+            <a:ext cx="8763000" cy="11172289"/>
           </a:xfrm>
           <a:prstGeom prst="rect">
             <a:avLst/>
@@ -6098,6 +6098,14 @@
           <a:lstStyle/>
           <a:p>
             <a:r>
+              <a:rPr lang="en-GB">
+                <a:hlinkClick r:id="rId2"/>
+              </a:rPr>
+              <a:t>https://www.slideshare.net/nburk/react-graphql</a:t>
+            </a:r>
+          </a:p>
+          <a:p>
+            <a:r>
               <a:rPr lang="en-GB" dirty="0">
                 <a:hlinkClick r:id="rId2"/>
               </a:rPr>
@@ -6206,12 +6214,12 @@
           </a:p>
           <a:p>
             <a:r>
-              <a:rPr lang="en-GB">
+              <a:rPr lang="en-GB" dirty="0">
                 <a:hlinkClick r:id="rId11"/>
               </a:rPr>
               <a:t>https://www.slideshare.net/nburk/react-graphql</a:t>
             </a:r>
-            <a:endParaRPr lang="en-GB"/>
+            <a:endParaRPr lang="en-GB" dirty="0"/>
           </a:p>
           <a:p>
             <a:endParaRPr lang="en-GB" dirty="0"/>

--- a/GraphQL_v3.pptx
+++ b/GraphQL_v3.pptx
@@ -29,16 +29,18 @@
     <p:sldId id="286" r:id="rId23"/>
     <p:sldId id="287" r:id="rId24"/>
     <p:sldId id="282" r:id="rId25"/>
-    <p:sldId id="283" r:id="rId26"/>
-    <p:sldId id="278" r:id="rId27"/>
-    <p:sldId id="281" r:id="rId28"/>
-    <p:sldId id="279" r:id="rId29"/>
-    <p:sldId id="280" r:id="rId30"/>
-    <p:sldId id="284" r:id="rId31"/>
-    <p:sldId id="285" r:id="rId32"/>
-    <p:sldId id="289" r:id="rId33"/>
-    <p:sldId id="290" r:id="rId34"/>
-    <p:sldId id="291" r:id="rId35"/>
+    <p:sldId id="292" r:id="rId26"/>
+    <p:sldId id="283" r:id="rId27"/>
+    <p:sldId id="293" r:id="rId28"/>
+    <p:sldId id="278" r:id="rId29"/>
+    <p:sldId id="281" r:id="rId30"/>
+    <p:sldId id="279" r:id="rId31"/>
+    <p:sldId id="280" r:id="rId32"/>
+    <p:sldId id="284" r:id="rId33"/>
+    <p:sldId id="285" r:id="rId34"/>
+    <p:sldId id="289" r:id="rId35"/>
+    <p:sldId id="290" r:id="rId36"/>
+    <p:sldId id="291" r:id="rId37"/>
   </p:sldIdLst>
   <p:sldSz cx="9144000" cy="6858000" type="screen4x3"/>
   <p:notesSz cx="6858000" cy="9144000"/>
@@ -336,7 +338,7 @@
             <a:fld id="{1D8BD707-D9CF-40AE-B4C6-C98DA3205C09}" type="datetimeFigureOut">
               <a:rPr lang="en-US" smtClean="0"/>
               <a:pPr/>
-              <a:t>4/5/2019</a:t>
+              <a:t>4/9/2019</a:t>
             </a:fld>
             <a:endParaRPr lang="en-US"/>
           </a:p>
@@ -501,7 +503,7 @@
             <a:fld id="{1D8BD707-D9CF-40AE-B4C6-C98DA3205C09}" type="datetimeFigureOut">
               <a:rPr lang="en-US" smtClean="0"/>
               <a:pPr/>
-              <a:t>4/5/2019</a:t>
+              <a:t>4/9/2019</a:t>
             </a:fld>
             <a:endParaRPr lang="en-US"/>
           </a:p>
@@ -676,7 +678,7 @@
             <a:fld id="{1D8BD707-D9CF-40AE-B4C6-C98DA3205C09}" type="datetimeFigureOut">
               <a:rPr lang="en-US" smtClean="0"/>
               <a:pPr/>
-              <a:t>4/5/2019</a:t>
+              <a:t>4/9/2019</a:t>
             </a:fld>
             <a:endParaRPr lang="en-US"/>
           </a:p>
@@ -841,7 +843,7 @@
             <a:fld id="{1D8BD707-D9CF-40AE-B4C6-C98DA3205C09}" type="datetimeFigureOut">
               <a:rPr lang="en-US" smtClean="0"/>
               <a:pPr/>
-              <a:t>4/5/2019</a:t>
+              <a:t>4/9/2019</a:t>
             </a:fld>
             <a:endParaRPr lang="en-US"/>
           </a:p>
@@ -1083,7 +1085,7 @@
             <a:fld id="{1D8BD707-D9CF-40AE-B4C6-C98DA3205C09}" type="datetimeFigureOut">
               <a:rPr lang="en-US" smtClean="0"/>
               <a:pPr/>
-              <a:t>4/5/2019</a:t>
+              <a:t>4/9/2019</a:t>
             </a:fld>
             <a:endParaRPr lang="en-US"/>
           </a:p>
@@ -1365,7 +1367,7 @@
             <a:fld id="{1D8BD707-D9CF-40AE-B4C6-C98DA3205C09}" type="datetimeFigureOut">
               <a:rPr lang="en-US" smtClean="0"/>
               <a:pPr/>
-              <a:t>4/5/2019</a:t>
+              <a:t>4/9/2019</a:t>
             </a:fld>
             <a:endParaRPr lang="en-US"/>
           </a:p>
@@ -1781,7 +1783,7 @@
             <a:fld id="{1D8BD707-D9CF-40AE-B4C6-C98DA3205C09}" type="datetimeFigureOut">
               <a:rPr lang="en-US" smtClean="0"/>
               <a:pPr/>
-              <a:t>4/5/2019</a:t>
+              <a:t>4/9/2019</a:t>
             </a:fld>
             <a:endParaRPr lang="en-US"/>
           </a:p>
@@ -1895,7 +1897,7 @@
             <a:fld id="{1D8BD707-D9CF-40AE-B4C6-C98DA3205C09}" type="datetimeFigureOut">
               <a:rPr lang="en-US" smtClean="0"/>
               <a:pPr/>
-              <a:t>4/5/2019</a:t>
+              <a:t>4/9/2019</a:t>
             </a:fld>
             <a:endParaRPr lang="en-US"/>
           </a:p>
@@ -1987,7 +1989,7 @@
             <a:fld id="{1D8BD707-D9CF-40AE-B4C6-C98DA3205C09}" type="datetimeFigureOut">
               <a:rPr lang="en-US" smtClean="0"/>
               <a:pPr/>
-              <a:t>4/5/2019</a:t>
+              <a:t>4/9/2019</a:t>
             </a:fld>
             <a:endParaRPr lang="en-US"/>
           </a:p>
@@ -2259,7 +2261,7 @@
             <a:fld id="{1D8BD707-D9CF-40AE-B4C6-C98DA3205C09}" type="datetimeFigureOut">
               <a:rPr lang="en-US" smtClean="0"/>
               <a:pPr/>
-              <a:t>4/5/2019</a:t>
+              <a:t>4/9/2019</a:t>
             </a:fld>
             <a:endParaRPr lang="en-US"/>
           </a:p>
@@ -2508,7 +2510,7 @@
             <a:fld id="{1D8BD707-D9CF-40AE-B4C6-C98DA3205C09}" type="datetimeFigureOut">
               <a:rPr lang="en-US" smtClean="0"/>
               <a:pPr/>
-              <a:t>4/5/2019</a:t>
+              <a:t>4/9/2019</a:t>
             </a:fld>
             <a:endParaRPr lang="en-US"/>
           </a:p>
@@ -2716,7 +2718,7 @@
             <a:fld id="{1D8BD707-D9CF-40AE-B4C6-C98DA3205C09}" type="datetimeFigureOut">
               <a:rPr lang="en-US" smtClean="0"/>
               <a:pPr/>
-              <a:t>4/5/2019</a:t>
+              <a:t>4/9/2019</a:t>
             </a:fld>
             <a:endParaRPr lang="en-US"/>
           </a:p>
@@ -4802,7 +4804,13 @@
       </p:grpSpPr>
       <p:sp>
         <p:nvSpPr>
-          <p:cNvPr id="2" name="Title 1"/>
+          <p:cNvPr id="2" name="Title 1">
+            <a:extLst>
+              <a:ext uri="{FF2B5EF4-FFF2-40B4-BE49-F238E27FC236}">
+                <a16:creationId xmlns:a16="http://schemas.microsoft.com/office/drawing/2014/main" id="{456C6CFC-FD49-4D0B-833E-35067809FD8D}"/>
+              </a:ext>
+            </a:extLst>
+          </p:cNvPr>
           <p:cNvSpPr>
             <a:spLocks noGrp="1"/>
           </p:cNvSpPr>
@@ -4815,84 +4823,121 @@
           <a:bodyPr/>
           <a:lstStyle/>
           <a:p>
+            <a:endParaRPr lang="en-GB"/>
+          </a:p>
+        </p:txBody>
+      </p:sp>
+      <p:sp>
+        <p:nvSpPr>
+          <p:cNvPr id="3" name="Content Placeholder 2">
+            <a:extLst>
+              <a:ext uri="{FF2B5EF4-FFF2-40B4-BE49-F238E27FC236}">
+                <a16:creationId xmlns:a16="http://schemas.microsoft.com/office/drawing/2014/main" id="{C6ED142B-DEB6-4B18-92B3-2886CFE344BA}"/>
+              </a:ext>
+            </a:extLst>
+          </p:cNvPr>
+          <p:cNvSpPr>
+            <a:spLocks noGrp="1"/>
+          </p:cNvSpPr>
+          <p:nvPr>
+            <p:ph idx="1"/>
+          </p:nvPr>
+        </p:nvSpPr>
+        <p:spPr/>
+        <p:txBody>
+          <a:bodyPr>
+            <a:normAutofit fontScale="62500" lnSpcReduction="20000"/>
+          </a:bodyPr>
+          <a:lstStyle/>
+          <a:p>
+            <a:r>
+              <a:rPr lang="en-GB" b="1" dirty="0"/>
+              <a:t>Versioning </a:t>
+            </a:r>
+          </a:p>
+          <a:p>
             <a:r>
               <a:rPr lang="en-GB" dirty="0"/>
-              <a:t>Versioning </a:t>
+              <a:t>While there's nothing that prevents a </a:t>
             </a:r>
             <a:r>
               <a:rPr lang="en-GB" dirty="0" err="1"/>
               <a:t>GraphQL</a:t>
             </a:r>
+            <a:r>
+              <a:rPr lang="en-GB" dirty="0"/>
+              <a:t> service from being versioned just like any other REST API, </a:t>
+            </a:r>
+            <a:r>
+              <a:rPr lang="en-GB" dirty="0" err="1"/>
+              <a:t>GraphQL</a:t>
+            </a:r>
+            <a:r>
+              <a:rPr lang="en-GB" dirty="0"/>
+              <a:t> takes a strong opinion on avoiding versioning by providing the tools for the continuous evolution of a </a:t>
+            </a:r>
+            <a:r>
+              <a:rPr lang="en-GB" dirty="0" err="1"/>
+              <a:t>GraphQL</a:t>
+            </a:r>
+            <a:r>
+              <a:rPr lang="en-GB" dirty="0"/>
+              <a:t> schema.</a:t>
+            </a:r>
+          </a:p>
+          <a:p>
+            <a:r>
+              <a:rPr lang="en-GB" dirty="0"/>
+              <a:t>Why do most APIs version? When there's limited control over the data that's returned from an API endpoint, </a:t>
+            </a:r>
+            <a:r>
+              <a:rPr lang="en-GB" i="1" dirty="0"/>
+              <a:t>any change</a:t>
+            </a:r>
+            <a:r>
+              <a:rPr lang="en-GB" dirty="0"/>
+              <a:t> can be considered a breaking change, and breaking changes require a new version. If adding new features to an API requires a new version, then a </a:t>
+            </a:r>
+            <a:r>
+              <a:rPr lang="en-GB" dirty="0" err="1"/>
+              <a:t>tradeoff</a:t>
+            </a:r>
+            <a:r>
+              <a:rPr lang="en-GB" dirty="0"/>
+              <a:t> emerges between releasing often and having many incremental versions versus the understandability and maintainability of the API.</a:t>
+            </a:r>
+          </a:p>
+          <a:p>
+            <a:r>
+              <a:rPr lang="en-GB" dirty="0"/>
+              <a:t>In contrast, </a:t>
+            </a:r>
+            <a:r>
+              <a:rPr lang="en-GB" dirty="0" err="1"/>
+              <a:t>GraphQL</a:t>
+            </a:r>
+            <a:r>
+              <a:rPr lang="en-GB" dirty="0"/>
+              <a:t> only returns the data that's explicitly requested, so new capabilities can be added via new types and new fields on those types without creating a breaking change. This has led to a common practice of always avoiding breaking changes and serving a </a:t>
+            </a:r>
+            <a:r>
+              <a:rPr lang="en-GB" dirty="0" err="1"/>
+              <a:t>versionless</a:t>
+            </a:r>
+            <a:r>
+              <a:rPr lang="en-GB" dirty="0"/>
+              <a:t> API.</a:t>
+            </a:r>
+          </a:p>
+          <a:p>
             <a:endParaRPr lang="en-GB" dirty="0"/>
-          </a:p>
-        </p:txBody>
-      </p:sp>
-      <p:sp>
-        <p:nvSpPr>
-          <p:cNvPr id="3" name="Content Placeholder 2"/>
-          <p:cNvSpPr>
-            <a:spLocks noGrp="1"/>
-          </p:cNvSpPr>
-          <p:nvPr>
-            <p:ph idx="1"/>
-          </p:nvPr>
-        </p:nvSpPr>
-        <p:spPr/>
-        <p:txBody>
-          <a:bodyPr>
-            <a:normAutofit lnSpcReduction="10000"/>
-          </a:bodyPr>
-          <a:lstStyle/>
-          <a:p>
-            <a:pPr lvl="0"/>
-            <a:r>
-              <a:rPr lang="en-GB" sz="2000" dirty="0"/>
-              <a:t>With </a:t>
-            </a:r>
-            <a:r>
-              <a:rPr lang="en-GB" sz="2000" dirty="0" err="1"/>
-              <a:t>GraphQL</a:t>
-            </a:r>
-            <a:r>
-              <a:rPr lang="en-GB" sz="2000" dirty="0"/>
-              <a:t>, there is no need for versioning as we can easily add new fields and types to our </a:t>
-            </a:r>
-            <a:r>
-              <a:rPr lang="en-GB" sz="2000" dirty="0" err="1"/>
-              <a:t>GraphQL</a:t>
-            </a:r>
-            <a:r>
-              <a:rPr lang="en-GB" sz="2000" dirty="0"/>
-              <a:t> API without impacting existing queries. Also, we can easily mark fields as deprecated and the fields will be excluded from the response gotten from the server.</a:t>
-            </a:r>
-          </a:p>
-          <a:p>
-            <a:pPr lvl="0"/>
-            <a:r>
-              <a:rPr lang="en-GB" sz="2000" dirty="0" err="1"/>
-              <a:t>GraphQL</a:t>
-            </a:r>
-            <a:r>
-              <a:rPr lang="en-GB" sz="2000" dirty="0"/>
-              <a:t> lets a client-side developer add new queries to retrieve data, even if that information is in a different version of the app. You simply write a query and you get the data you want. You never need to create a custom data endpoint from the server side or ask a server-side developer to create one for you. Additionally, you can retrieve most of the data for a given view with just one request to the server.</a:t>
-            </a:r>
-          </a:p>
-          <a:p>
-            <a:pPr lvl="0"/>
-            <a:r>
-              <a:rPr lang="en-GB" sz="2000" dirty="0"/>
-              <a:t>This is especially important for mobile clients because we can’t control the version of the API they’re using. Once installed, a mobile app might continue to use that same old version of the API for years. On the web, it’s easy to control the version of the API because we just push new code. For mobile apps, that’s a lot harder to do.</a:t>
-            </a:r>
-          </a:p>
-          <a:p>
-            <a:endParaRPr lang="en-GB" sz="2000" dirty="0"/>
           </a:p>
         </p:txBody>
       </p:sp>
     </p:spTree>
     <p:extLst>
       <p:ext uri="{BB962C8B-B14F-4D97-AF65-F5344CB8AC3E}">
-        <p14:creationId xmlns:p14="http://schemas.microsoft.com/office/powerpoint/2010/main" val="2051781812"/>
+        <p14:creationId xmlns:p14="http://schemas.microsoft.com/office/powerpoint/2010/main" val="1133039209"/>
       </p:ext>
     </p:extLst>
   </p:cSld>
@@ -4935,13 +4980,14 @@
           <a:lstStyle/>
           <a:p>
             <a:r>
+              <a:rPr lang="en-GB" dirty="0"/>
+              <a:t>Versioning </a:t>
+            </a:r>
+            <a:r>
               <a:rPr lang="en-GB" dirty="0" err="1"/>
               <a:t>GraphQL</a:t>
             </a:r>
-            <a:r>
-              <a:rPr lang="en-GB" dirty="0"/>
-              <a:t> Server Libraries</a:t>
-            </a:r>
+            <a:endParaRPr lang="en-GB" dirty="0"/>
           </a:p>
         </p:txBody>
       </p:sp>
@@ -4955,36 +5001,25 @@
             <p:ph idx="1"/>
           </p:nvPr>
         </p:nvSpPr>
-        <p:spPr>
-          <a:xfrm>
-            <a:off x="457200" y="1600200"/>
-            <a:ext cx="8229600" cy="5105400"/>
-          </a:xfrm>
-        </p:spPr>
+        <p:spPr/>
         <p:txBody>
           <a:bodyPr>
-            <a:normAutofit fontScale="92500" lnSpcReduction="20000"/>
+            <a:normAutofit lnSpcReduction="10000"/>
           </a:bodyPr>
           <a:lstStyle/>
           <a:p>
-            <a:pPr marL="0" indent="0">
-              <a:buNone/>
-            </a:pPr>
+            <a:pPr lvl="0"/>
+            <a:r>
+              <a:rPr lang="en-GB" sz="2000" dirty="0"/>
+              <a:t>With </a:t>
+            </a:r>
             <a:r>
               <a:rPr lang="en-GB" sz="2000" dirty="0" err="1"/>
               <a:t>GraphQL</a:t>
             </a:r>
             <a:r>
               <a:rPr lang="en-GB" sz="2000" dirty="0"/>
-              <a:t> is a </a:t>
-            </a:r>
-            <a:r>
-              <a:rPr lang="en-GB" sz="2000" b="1" dirty="0"/>
-              <a:t>specification</a:t>
-            </a:r>
-            <a:r>
-              <a:rPr lang="en-GB" sz="2000" dirty="0"/>
-              <a:t> You will find server libraries to help you implement </a:t>
+              <a:t>, there is no need for versioning as we can easily add new fields and types to our </a:t>
             </a:r>
             <a:r>
               <a:rPr lang="en-GB" sz="2000" dirty="0" err="1"/>
@@ -4992,110 +5027,36 @@
             </a:r>
             <a:r>
               <a:rPr lang="en-GB" sz="2000" dirty="0"/>
-              <a:t> in a variety of languages including:</a:t>
-            </a:r>
-          </a:p>
-          <a:p>
-            <a:pPr marL="0" indent="0">
-              <a:buNone/>
-            </a:pPr>
+              <a:t> API without impacting existing queries. Also, we can easily mark fields as deprecated and the fields will be excluded from the response gotten from the server.</a:t>
+            </a:r>
+          </a:p>
+          <a:p>
+            <a:pPr lvl="0"/>
+            <a:r>
+              <a:rPr lang="en-GB" sz="2000" dirty="0" err="1"/>
+              <a:t>GraphQL</a:t>
+            </a:r>
+            <a:r>
+              <a:rPr lang="en-GB" sz="2000" dirty="0"/>
+              <a:t> lets a client-side developer add new queries to retrieve data, even if that information is in a different version of the app. You simply write a query and you get the data you want. You never need to create a custom data endpoint from the server side or ask a server-side developer to create one for you. Additionally, you can retrieve most of the data for a given view with just one request to the server.</a:t>
+            </a:r>
+          </a:p>
+          <a:p>
+            <a:pPr lvl="0"/>
+            <a:r>
+              <a:rPr lang="en-GB" sz="2000" dirty="0"/>
+              <a:t>This is especially important for mobile clients because we can’t control the version of the API they’re using. Once installed, a mobile app might continue to use that same old version of the API for years. On the web, it’s easy to control the version of the API because we just push new code. For mobile apps, that’s a lot harder to do.</a:t>
+            </a:r>
+          </a:p>
+          <a:p>
             <a:endParaRPr lang="en-GB" sz="2000" dirty="0"/>
-          </a:p>
-          <a:p>
-            <a:r>
-              <a:rPr lang="en-GB" sz="2200" dirty="0"/>
-              <a:t>C# / .NET, </a:t>
-            </a:r>
-          </a:p>
-          <a:p>
-            <a:r>
-              <a:rPr lang="en-GB" sz="2200" dirty="0" err="1"/>
-              <a:t>Clojure</a:t>
-            </a:r>
-            <a:r>
-              <a:rPr lang="en-GB" sz="2200" dirty="0"/>
-              <a:t>, </a:t>
-            </a:r>
-          </a:p>
-          <a:p>
-            <a:r>
-              <a:rPr lang="en-GB" sz="2200" dirty="0"/>
-              <a:t>Elixir, </a:t>
-            </a:r>
-          </a:p>
-          <a:p>
-            <a:r>
-              <a:rPr lang="en-GB" sz="2200" dirty="0" err="1"/>
-              <a:t>Erlang</a:t>
-            </a:r>
-            <a:r>
-              <a:rPr lang="en-GB" sz="2200" dirty="0"/>
-              <a:t>, </a:t>
-            </a:r>
-          </a:p>
-          <a:p>
-            <a:r>
-              <a:rPr lang="en-GB" sz="2200" dirty="0"/>
-              <a:t>Go,</a:t>
-            </a:r>
-          </a:p>
-          <a:p>
-            <a:r>
-              <a:rPr lang="en-GB" sz="2200" dirty="0"/>
-              <a:t>Groovy, </a:t>
-            </a:r>
-          </a:p>
-          <a:p>
-            <a:r>
-              <a:rPr lang="en-GB" sz="2200" dirty="0"/>
-              <a:t>Java, </a:t>
-            </a:r>
-          </a:p>
-          <a:p>
-            <a:r>
-              <a:rPr lang="en-GB" sz="2200" dirty="0"/>
-              <a:t>JavaScript, </a:t>
-            </a:r>
-          </a:p>
-          <a:p>
-            <a:r>
-              <a:rPr lang="en-GB" sz="2200" dirty="0"/>
-              <a:t>PHP, </a:t>
-            </a:r>
-          </a:p>
-          <a:p>
-            <a:r>
-              <a:rPr lang="en-GB" sz="2200" dirty="0"/>
-              <a:t>Python, </a:t>
-            </a:r>
-          </a:p>
-          <a:p>
-            <a:r>
-              <a:rPr lang="en-GB" sz="2200" dirty="0"/>
-              <a:t>Scala, </a:t>
-            </a:r>
-          </a:p>
-          <a:p>
-            <a:r>
-              <a:rPr lang="en-GB" sz="2200" dirty="0"/>
-              <a:t>Ruby</a:t>
-            </a:r>
-          </a:p>
-          <a:p>
-            <a:pPr marL="0" indent="0">
-              <a:buNone/>
-            </a:pPr>
-            <a:r>
-              <a:rPr lang="en-GB" sz="2200" dirty="0"/>
-              <a:t> </a:t>
-            </a:r>
           </a:p>
         </p:txBody>
       </p:sp>
     </p:spTree>
     <p:extLst>
       <p:ext uri="{BB962C8B-B14F-4D97-AF65-F5344CB8AC3E}">
-        <p14:creationId xmlns:p14="http://schemas.microsoft.com/office/powerpoint/2010/main" val="4264079946"/>
+        <p14:creationId xmlns:p14="http://schemas.microsoft.com/office/powerpoint/2010/main" val="2051781812"/>
       </p:ext>
     </p:extLst>
   </p:cSld>
@@ -5124,7 +5085,13 @@
       </p:grpSpPr>
       <p:sp>
         <p:nvSpPr>
-          <p:cNvPr id="2" name="Title 1"/>
+          <p:cNvPr id="2" name="Title 1">
+            <a:extLst>
+              <a:ext uri="{FF2B5EF4-FFF2-40B4-BE49-F238E27FC236}">
+                <a16:creationId xmlns:a16="http://schemas.microsoft.com/office/drawing/2014/main" id="{02086AAD-4097-4D22-8638-C45AE79AC2C5}"/>
+              </a:ext>
+            </a:extLst>
+          </p:cNvPr>
           <p:cNvSpPr>
             <a:spLocks noGrp="1"/>
           </p:cNvSpPr>
@@ -5137,82 +5104,79 @@
           <a:bodyPr/>
           <a:lstStyle/>
           <a:p>
+            <a:endParaRPr lang="en-GB"/>
+          </a:p>
+        </p:txBody>
+      </p:sp>
+      <p:sp>
+        <p:nvSpPr>
+          <p:cNvPr id="3" name="Content Placeholder 2">
+            <a:extLst>
+              <a:ext uri="{FF2B5EF4-FFF2-40B4-BE49-F238E27FC236}">
+                <a16:creationId xmlns:a16="http://schemas.microsoft.com/office/drawing/2014/main" id="{617BB821-522C-4071-B909-4BE3B9E31B3D}"/>
+              </a:ext>
+            </a:extLst>
+          </p:cNvPr>
+          <p:cNvSpPr>
+            <a:spLocks noGrp="1"/>
+          </p:cNvSpPr>
+          <p:nvPr>
+            <p:ph idx="1"/>
+          </p:nvPr>
+        </p:nvSpPr>
+        <p:spPr/>
+        <p:txBody>
+          <a:bodyPr>
+            <a:normAutofit fontScale="55000" lnSpcReduction="20000"/>
+          </a:bodyPr>
+          <a:lstStyle/>
+          <a:p>
             <a:r>
               <a:rPr lang="en-GB" dirty="0"/>
-              <a:t>JavaScript Server Libraries</a:t>
-            </a:r>
-          </a:p>
-        </p:txBody>
-      </p:sp>
-      <p:sp>
-        <p:nvSpPr>
-          <p:cNvPr id="3" name="Content Placeholder 2"/>
-          <p:cNvSpPr>
-            <a:spLocks noGrp="1"/>
-          </p:cNvSpPr>
-          <p:nvPr>
-            <p:ph idx="1"/>
-          </p:nvPr>
-        </p:nvSpPr>
-        <p:spPr/>
-        <p:txBody>
-          <a:bodyPr>
-            <a:normAutofit/>
-          </a:bodyPr>
-          <a:lstStyle/>
-          <a:p>
-            <a:r>
-              <a:rPr lang="en-GB" sz="2000" dirty="0"/>
-              <a:t>GraphQL.js is the </a:t>
-            </a:r>
-            <a:r>
-              <a:rPr lang="en-GB" sz="2000" b="1" dirty="0"/>
-              <a:t>reference implementation </a:t>
-            </a:r>
-            <a:r>
-              <a:rPr lang="en-GB" sz="2000" dirty="0"/>
-              <a:t>of the </a:t>
-            </a:r>
-            <a:r>
-              <a:rPr lang="en-GB" sz="2000" dirty="0" err="1"/>
+              <a:t>Rapid Product Iterations on the Frontend</a:t>
+            </a:r>
+          </a:p>
+          <a:p>
+            <a:endParaRPr lang="en-GB" dirty="0"/>
+          </a:p>
+          <a:p>
+            <a:r>
+              <a:rPr lang="en-GB" dirty="0"/>
+              <a:t>A common pattern with REST APIs is to structure the endpoints according to the views that you have inside your app. This is handy since it allows for the client to get all required information for a particular view by simply accessing the corresponding endpoint.</a:t>
+            </a:r>
+          </a:p>
+          <a:p>
+            <a:endParaRPr lang="en-GB" dirty="0"/>
+          </a:p>
+          <a:p>
+            <a:r>
+              <a:rPr lang="en-GB" dirty="0"/>
+              <a:t>The major drawback of this approach is that it doesn’t allow for rapid iterations on the frontend. With every change that is made to the UI, there is a high risk that now there is more (or less) data required than before. Consequently, the backend needs to be adjusted as well to account for the new data needs. This kills productivity and notably slows down the ability to incorporate user feedback into a product.</a:t>
+            </a:r>
+          </a:p>
+          <a:p>
+            <a:endParaRPr lang="en-GB" dirty="0"/>
+          </a:p>
+          <a:p>
+            <a:r>
+              <a:rPr lang="en-GB" dirty="0"/>
+              <a:t>With </a:t>
+            </a:r>
+            <a:r>
+              <a:rPr lang="en-GB" dirty="0" err="1"/>
               <a:t>GraphQL</a:t>
             </a:r>
             <a:r>
-              <a:rPr lang="en-GB" sz="2000" dirty="0"/>
-              <a:t> specification, designed for running </a:t>
-            </a:r>
-            <a:r>
-              <a:rPr lang="en-GB" sz="2000" dirty="0" err="1"/>
+              <a:rPr lang="en-GB" dirty="0"/>
+              <a:t>, this problem is solved. Thanks to the flexible nature of </a:t>
+            </a:r>
+            <a:r>
+              <a:rPr lang="en-GB" dirty="0" err="1"/>
               <a:t>GraphQL</a:t>
             </a:r>
             <a:r>
-              <a:rPr lang="en-GB" sz="2000" dirty="0"/>
-              <a:t> in a Node.js environment.</a:t>
-            </a:r>
-          </a:p>
-          <a:p>
-            <a:endParaRPr lang="en-GB" sz="2000" dirty="0"/>
-          </a:p>
-          <a:p>
-            <a:r>
-              <a:rPr lang="en-GB" sz="2000" dirty="0"/>
-              <a:t>express-</a:t>
-            </a:r>
-            <a:r>
-              <a:rPr lang="en-GB" sz="2000" dirty="0" err="1"/>
-              <a:t>graphql</a:t>
-            </a:r>
-            <a:r>
-              <a:rPr lang="en-GB" sz="2000" dirty="0"/>
-              <a:t> is the reference implementation of a </a:t>
-            </a:r>
-            <a:r>
-              <a:rPr lang="en-GB" sz="2000" dirty="0" err="1"/>
-              <a:t>GraphQL</a:t>
-            </a:r>
-            <a:r>
-              <a:rPr lang="en-GB" sz="2000" dirty="0"/>
-              <a:t> API server over an Express webserver.</a:t>
+              <a:rPr lang="en-GB" dirty="0"/>
+              <a:t>, changes on the client-side can be made without any extra work on the server. Since clients can specify their exact data requirements, no backend engineer needs to make adjustments when the design and data needs on the frontend change.</a:t>
             </a:r>
           </a:p>
         </p:txBody>
@@ -5220,7 +5184,7 @@
     </p:spTree>
     <p:extLst>
       <p:ext uri="{BB962C8B-B14F-4D97-AF65-F5344CB8AC3E}">
-        <p14:creationId xmlns:p14="http://schemas.microsoft.com/office/powerpoint/2010/main" val="4202686402"/>
+        <p14:creationId xmlns:p14="http://schemas.microsoft.com/office/powerpoint/2010/main" val="30945653"/>
       </p:ext>
     </p:extLst>
   </p:cSld>
@@ -5268,7 +5232,7 @@
             </a:r>
             <a:r>
               <a:rPr lang="en-GB" dirty="0"/>
-              <a:t> Clients</a:t>
+              <a:t> Server Libraries</a:t>
             </a:r>
           </a:p>
         </p:txBody>
@@ -5283,66 +5247,147 @@
             <p:ph idx="1"/>
           </p:nvPr>
         </p:nvSpPr>
-        <p:spPr/>
-        <p:txBody>
-          <a:bodyPr/>
-          <a:lstStyle/>
-          <a:p>
-            <a:r>
-              <a:rPr lang="en-GB" b="1" dirty="0" err="1"/>
+        <p:spPr>
+          <a:xfrm>
+            <a:off x="457200" y="1600200"/>
+            <a:ext cx="8229600" cy="5105400"/>
+          </a:xfrm>
+        </p:spPr>
+        <p:txBody>
+          <a:bodyPr>
+            <a:normAutofit fontScale="92500" lnSpcReduction="20000"/>
+          </a:bodyPr>
+          <a:lstStyle/>
+          <a:p>
+            <a:pPr marL="0" indent="0">
+              <a:buNone/>
+            </a:pPr>
+            <a:r>
+              <a:rPr lang="en-GB" sz="2000" dirty="0" err="1"/>
               <a:t>GraphQL</a:t>
             </a:r>
             <a:r>
-              <a:rPr lang="en-GB" dirty="0"/>
-              <a:t> client is code that makes a </a:t>
-            </a:r>
-            <a:r>
-              <a:rPr lang="en-GB" b="1" dirty="0"/>
-              <a:t>POST</a:t>
-            </a:r>
-            <a:r>
-              <a:rPr lang="en-GB" dirty="0"/>
-              <a:t> request to a </a:t>
-            </a:r>
-            <a:r>
-              <a:rPr lang="en-GB" b="1" dirty="0" err="1"/>
+              <a:rPr lang="en-GB" sz="2000" dirty="0"/>
+              <a:t> is a </a:t>
+            </a:r>
+            <a:r>
+              <a:rPr lang="en-GB" sz="2000" b="1" dirty="0"/>
+              <a:t>specification</a:t>
+            </a:r>
+            <a:r>
+              <a:rPr lang="en-GB" sz="2000" dirty="0"/>
+              <a:t> You will find server libraries to help you implement </a:t>
+            </a:r>
+            <a:r>
+              <a:rPr lang="en-GB" sz="2000" dirty="0" err="1"/>
               <a:t>GraphQL</a:t>
             </a:r>
             <a:r>
-              <a:rPr lang="en-GB" dirty="0"/>
-              <a:t> Server</a:t>
-            </a:r>
-          </a:p>
-          <a:p>
-            <a:r>
-              <a:rPr lang="en-GB" dirty="0" err="1"/>
-              <a:t>GraphQL</a:t>
-            </a:r>
-            <a:r>
-              <a:rPr lang="en-GB" dirty="0"/>
-              <a:t> clients can be found for C# / .NET, </a:t>
-            </a:r>
-            <a:r>
-              <a:rPr lang="en-GB" dirty="0" err="1"/>
-              <a:t>Clojurescript</a:t>
-            </a:r>
-            <a:r>
-              <a:rPr lang="en-GB" dirty="0"/>
-              <a:t>, Go, Java / Android, JavaScript, Swift / Objective-C iOS, Python</a:t>
+              <a:rPr lang="en-GB" sz="2000" dirty="0"/>
+              <a:t> in a variety of languages including:</a:t>
             </a:r>
           </a:p>
           <a:p>
             <a:pPr marL="0" indent="0">
               <a:buNone/>
             </a:pPr>
-            <a:endParaRPr lang="en-GB" dirty="0"/>
+            <a:endParaRPr lang="en-GB" sz="2000" dirty="0"/>
+          </a:p>
+          <a:p>
+            <a:r>
+              <a:rPr lang="en-GB" sz="2200" dirty="0"/>
+              <a:t>C# / .NET, </a:t>
+            </a:r>
+          </a:p>
+          <a:p>
+            <a:r>
+              <a:rPr lang="en-GB" sz="2200" dirty="0" err="1"/>
+              <a:t>Clojure</a:t>
+            </a:r>
+            <a:r>
+              <a:rPr lang="en-GB" sz="2200" dirty="0"/>
+              <a:t>, </a:t>
+            </a:r>
+          </a:p>
+          <a:p>
+            <a:r>
+              <a:rPr lang="en-GB" sz="2200" dirty="0"/>
+              <a:t>Elixir, </a:t>
+            </a:r>
+          </a:p>
+          <a:p>
+            <a:r>
+              <a:rPr lang="en-GB" sz="2200" dirty="0" err="1"/>
+              <a:t>Erlang</a:t>
+            </a:r>
+            <a:r>
+              <a:rPr lang="en-GB" sz="2200" dirty="0"/>
+              <a:t>, </a:t>
+            </a:r>
+          </a:p>
+          <a:p>
+            <a:r>
+              <a:rPr lang="en-GB" sz="2200" dirty="0"/>
+              <a:t>Go,</a:t>
+            </a:r>
+          </a:p>
+          <a:p>
+            <a:r>
+              <a:rPr lang="en-GB" sz="2200" dirty="0"/>
+              <a:t>Groovy, </a:t>
+            </a:r>
+          </a:p>
+          <a:p>
+            <a:r>
+              <a:rPr lang="en-GB" sz="2200" dirty="0"/>
+              <a:t>Java, </a:t>
+            </a:r>
+          </a:p>
+          <a:p>
+            <a:r>
+              <a:rPr lang="en-GB" sz="2200" dirty="0"/>
+              <a:t>JavaScript, </a:t>
+            </a:r>
+          </a:p>
+          <a:p>
+            <a:r>
+              <a:rPr lang="en-GB" sz="2200" dirty="0"/>
+              <a:t>PHP, </a:t>
+            </a:r>
+          </a:p>
+          <a:p>
+            <a:r>
+              <a:rPr lang="en-GB" sz="2200" dirty="0"/>
+              <a:t>Python, </a:t>
+            </a:r>
+          </a:p>
+          <a:p>
+            <a:r>
+              <a:rPr lang="en-GB" sz="2200" dirty="0"/>
+              <a:t>Scala, </a:t>
+            </a:r>
+          </a:p>
+          <a:p>
+            <a:r>
+              <a:rPr lang="en-GB" sz="2200" dirty="0"/>
+              <a:t>Ruby</a:t>
+            </a:r>
+          </a:p>
+          <a:p>
+            <a:pPr marL="0" indent="0">
+              <a:buNone/>
+            </a:pPr>
+            <a:r>
+              <a:rPr lang="en-GB" sz="2200" dirty="0"/>
+              <a:t> </a:t>
+            </a:r>
           </a:p>
         </p:txBody>
       </p:sp>
     </p:spTree>
     <p:extLst>
       <p:ext uri="{BB962C8B-B14F-4D97-AF65-F5344CB8AC3E}">
-        <p14:creationId xmlns:p14="http://schemas.microsoft.com/office/powerpoint/2010/main" val="490248716"/>
+        <p14:creationId xmlns:p14="http://schemas.microsoft.com/office/powerpoint/2010/main" val="4264079946"/>
       </p:ext>
     </p:extLst>
   </p:cSld>
@@ -5386,15 +5431,7 @@
           <a:p>
             <a:r>
               <a:rPr lang="en-GB" dirty="0"/>
-              <a:t>JavaScript </a:t>
-            </a:r>
-            <a:r>
-              <a:rPr lang="en-GB" dirty="0" err="1"/>
-              <a:t>GraphQL</a:t>
-            </a:r>
-            <a:r>
-              <a:rPr lang="en-GB" dirty="0"/>
-              <a:t> Clients</a:t>
+              <a:t>JavaScript Server Libraries</a:t>
             </a:r>
           </a:p>
         </p:txBody>
@@ -5411,27 +5448,22 @@
         </p:nvSpPr>
         <p:spPr/>
         <p:txBody>
-          <a:bodyPr/>
-          <a:lstStyle/>
-          <a:p>
-            <a:pPr marL="0" indent="0">
-              <a:buNone/>
-            </a:pPr>
+          <a:bodyPr>
+            <a:normAutofit/>
+          </a:bodyPr>
+          <a:lstStyle/>
+          <a:p>
             <a:r>
               <a:rPr lang="en-GB" sz="2000" dirty="0"/>
-              <a:t>Two of the most popular ones are:</a:t>
-            </a:r>
-          </a:p>
-          <a:p>
-            <a:pPr marL="0" indent="0">
-              <a:buNone/>
-            </a:pPr>
-            <a:endParaRPr lang="en-GB" sz="2000" dirty="0"/>
-          </a:p>
-          <a:p>
+              <a:t>GraphQL.js is the </a:t>
+            </a:r>
+            <a:r>
+              <a:rPr lang="en-GB" sz="2000" b="1" dirty="0"/>
+              <a:t>reference implementation </a:t>
+            </a:r>
             <a:r>
               <a:rPr lang="en-GB" sz="2000" dirty="0"/>
-              <a:t>Relay: powerful </a:t>
+              <a:t>of the </a:t>
             </a:r>
             <a:r>
               <a:rPr lang="en-GB" sz="2000" dirty="0" err="1"/>
@@ -5439,16 +5471,7 @@
             </a:r>
             <a:r>
               <a:rPr lang="en-GB" sz="2000" dirty="0"/>
-              <a:t> client developed by Facebook, heavily optimized for performance. It is only available on the web.</a:t>
-            </a:r>
-          </a:p>
-          <a:p>
-            <a:endParaRPr lang="en-GB" sz="2000" dirty="0"/>
-          </a:p>
-          <a:p>
-            <a:r>
-              <a:rPr lang="en-GB" sz="2000" dirty="0"/>
-              <a:t>Apollo Client: community-driven effort to build a powerful, flexible and production ready </a:t>
+              <a:t> specification, designed for running </a:t>
             </a:r>
             <a:r>
               <a:rPr lang="en-GB" sz="2000" dirty="0" err="1"/>
@@ -5456,41 +5479,40 @@
             </a:r>
             <a:r>
               <a:rPr lang="en-GB" sz="2000" dirty="0"/>
-              <a:t> client for all major development platforms. It support various frontend frameworks (React, Angular and </a:t>
+              <a:t> in a Node.js environment.</a:t>
+            </a:r>
+          </a:p>
+          <a:p>
+            <a:endParaRPr lang="en-GB" sz="2000" dirty="0"/>
+          </a:p>
+          <a:p>
+            <a:r>
+              <a:rPr lang="en-GB" sz="2000" dirty="0"/>
+              <a:t>express-</a:t>
             </a:r>
             <a:r>
               <a:rPr lang="en-GB" sz="2000" dirty="0" err="1"/>
-              <a:t>Vue</a:t>
+              <a:t>graphql</a:t>
             </a:r>
             <a:r>
               <a:rPr lang="en-GB" sz="2000" dirty="0"/>
-              <a:t>) and platforms (iOS, Android).</a:t>
-            </a:r>
-          </a:p>
-          <a:p>
-            <a:endParaRPr lang="en-GB" sz="2000" dirty="0"/>
-          </a:p>
-          <a:p>
-            <a:r>
-              <a:rPr lang="en-GB" sz="2000" dirty="0"/>
-              <a:t>A complete list of </a:t>
+              <a:t> is the reference implementation of a </a:t>
             </a:r>
             <a:r>
               <a:rPr lang="en-GB" sz="2000" dirty="0" err="1"/>
               <a:t>GraphQL</a:t>
             </a:r>
             <a:r>
-              <a:rPr lang="en-GB" sz="2000"/>
-              <a:t> client and server implementations for various languages can be found at http://graphql.org/code</a:t>
-            </a:r>
-            <a:endParaRPr lang="en-GB" sz="2000" dirty="0"/>
+              <a:rPr lang="en-GB" sz="2000" dirty="0"/>
+              <a:t> API server over an Express webserver.</a:t>
+            </a:r>
           </a:p>
         </p:txBody>
       </p:sp>
     </p:spTree>
     <p:extLst>
       <p:ext uri="{BB962C8B-B14F-4D97-AF65-F5344CB8AC3E}">
-        <p14:creationId xmlns:p14="http://schemas.microsoft.com/office/powerpoint/2010/main" val="1529580563"/>
+        <p14:creationId xmlns:p14="http://schemas.microsoft.com/office/powerpoint/2010/main" val="4202686402"/>
       </p:ext>
     </p:extLst>
   </p:cSld>
@@ -5648,7 +5670,7 @@
             </a:r>
             <a:r>
               <a:rPr lang="en-GB" dirty="0"/>
-              <a:t> disadvantages</a:t>
+              <a:t> Clients</a:t>
             </a:r>
           </a:p>
         </p:txBody>
@@ -5663,113 +5685,58 @@
             <p:ph idx="1"/>
           </p:nvPr>
         </p:nvSpPr>
-        <p:spPr>
-          <a:xfrm>
-            <a:off x="457200" y="1295400"/>
-            <a:ext cx="8229600" cy="4830763"/>
-          </a:xfrm>
-        </p:spPr>
-        <p:txBody>
-          <a:bodyPr>
-            <a:normAutofit fontScale="92500" lnSpcReduction="20000"/>
-          </a:bodyPr>
-          <a:lstStyle/>
-          <a:p>
-            <a:pPr marL="0" lvl="0" indent="0">
-              <a:buNone/>
-            </a:pPr>
-            <a:r>
-              <a:rPr lang="en-GB" sz="2100" dirty="0"/>
-              <a:t>One important threat that </a:t>
-            </a:r>
-            <a:r>
-              <a:rPr lang="en-GB" sz="2100" dirty="0" err="1"/>
+        <p:spPr/>
+        <p:txBody>
+          <a:bodyPr/>
+          <a:lstStyle/>
+          <a:p>
+            <a:r>
+              <a:rPr lang="en-GB" b="1" dirty="0" err="1"/>
               <a:t>GraphQL</a:t>
             </a:r>
             <a:r>
-              <a:rPr lang="en-GB" sz="2100" dirty="0"/>
-              <a:t> makes easier is resource exhaustion attacks (AKA Denial of Service attacks). A </a:t>
-            </a:r>
-            <a:r>
-              <a:rPr lang="en-GB" sz="2100" dirty="0" err="1"/>
+              <a:rPr lang="en-GB" dirty="0"/>
+              <a:t> client is code that makes a </a:t>
+            </a:r>
+            <a:r>
+              <a:rPr lang="en-GB" b="1" dirty="0"/>
+              <a:t>POST</a:t>
+            </a:r>
+            <a:r>
+              <a:rPr lang="en-GB" dirty="0"/>
+              <a:t> request to a </a:t>
+            </a:r>
+            <a:r>
+              <a:rPr lang="en-GB" b="1" dirty="0" err="1"/>
               <a:t>GraphQL</a:t>
             </a:r>
             <a:r>
-              <a:rPr lang="en-GB" sz="2100" dirty="0"/>
-              <a:t> server can be attacked with overly complex queries that will consume all the resources of the server. It’s very simple to query for deep nested relationships (user -&gt; friends -&gt; friends …), or use field aliases to ask for the same field many times. Resource exhaustion attacks are not specific to </a:t>
-            </a:r>
-            <a:r>
-              <a:rPr lang="en-GB" sz="2100" dirty="0" err="1"/>
+              <a:rPr lang="en-GB" dirty="0"/>
+              <a:t> Server</a:t>
+            </a:r>
+          </a:p>
+          <a:p>
+            <a:r>
+              <a:rPr lang="en-GB" dirty="0" err="1"/>
               <a:t>GraphQL</a:t>
             </a:r>
             <a:r>
-              <a:rPr lang="en-GB" sz="2100" dirty="0"/>
-              <a:t>, but when working with </a:t>
-            </a:r>
-            <a:r>
-              <a:rPr lang="en-GB" sz="2100" dirty="0" err="1"/>
-              <a:t>GraphQL</a:t>
-            </a:r>
-            <a:r>
-              <a:rPr lang="en-GB" sz="2100" dirty="0"/>
-              <a:t> we have to be extra careful about them.</a:t>
-            </a:r>
-          </a:p>
-          <a:p>
-            <a:pPr marL="0" lvl="0" indent="0">
-              <a:buNone/>
-            </a:pPr>
-            <a:endParaRPr lang="en-GB" sz="2100" dirty="0"/>
-          </a:p>
-          <a:p>
-            <a:pPr marL="0" lvl="0" indent="0">
-              <a:buNone/>
-            </a:pPr>
-            <a:r>
-              <a:rPr lang="en-GB" sz="2100" dirty="0"/>
-              <a:t>There are some mitigations we can do here. We can do cost analysis on the query in advance and enforce some kind of limits on the amount of data one can consume. We can also implement a time-out to kill requests that take too long to resolve. Also, since </a:t>
-            </a:r>
-            <a:r>
-              <a:rPr lang="en-GB" sz="2100" dirty="0" err="1"/>
-              <a:t>GraphQL</a:t>
-            </a:r>
-            <a:r>
-              <a:rPr lang="en-GB" sz="2100" dirty="0"/>
-              <a:t> is just a resolving layer, we can handle the rate limits enforcement at a lower level under </a:t>
-            </a:r>
-            <a:r>
-              <a:rPr lang="en-GB" sz="2100" dirty="0" err="1"/>
-              <a:t>GraphQL</a:t>
-            </a:r>
-            <a:r>
-              <a:rPr lang="en-GB" sz="2100" dirty="0"/>
-              <a:t>.</a:t>
-            </a:r>
-          </a:p>
-          <a:p>
-            <a:pPr marL="0" lvl="0" indent="0">
-              <a:buNone/>
-            </a:pPr>
-            <a:endParaRPr lang="en-GB" sz="2100" dirty="0"/>
-          </a:p>
-          <a:p>
-            <a:pPr marL="0" lvl="0" indent="0">
-              <a:buNone/>
-            </a:pPr>
-            <a:r>
-              <a:rPr lang="en-GB" sz="2100" dirty="0"/>
-              <a:t>If the </a:t>
-            </a:r>
-            <a:r>
-              <a:rPr lang="en-GB" sz="2100" dirty="0" err="1"/>
-              <a:t>GraphQL</a:t>
-            </a:r>
-            <a:r>
-              <a:rPr lang="en-GB" sz="2100" dirty="0"/>
-              <a:t> API endpoint we’re trying to protect is not public and is meant for internal consumption of our own clients (web or mobile), we can use a whitelist approach and pre-approve queries that the server can execute. Clients can just ask the servers to execute pre-approved queries using a query unique identifier. Facebook seems to be using this approach.</a:t>
-            </a:r>
-          </a:p>
-          <a:p>
+              <a:rPr lang="en-GB" dirty="0"/>
+              <a:t> clients can be found for C# / .NET, </a:t>
+            </a:r>
+            <a:r>
+              <a:rPr lang="en-GB" dirty="0" err="1"/>
+              <a:t>Clojurescript</a:t>
+            </a:r>
+            <a:r>
+              <a:rPr lang="en-GB" dirty="0"/>
+              <a:t>, Go, Java / Android, JavaScript, Swift / Objective-C iOS, Python</a:t>
+            </a:r>
+          </a:p>
+          <a:p>
+            <a:pPr marL="0" indent="0">
+              <a:buNone/>
+            </a:pPr>
             <a:endParaRPr lang="en-GB" dirty="0"/>
           </a:p>
         </p:txBody>
@@ -5777,7 +5744,7 @@
     </p:spTree>
     <p:extLst>
       <p:ext uri="{BB962C8B-B14F-4D97-AF65-F5344CB8AC3E}">
-        <p14:creationId xmlns:p14="http://schemas.microsoft.com/office/powerpoint/2010/main" val="2047133226"/>
+        <p14:creationId xmlns:p14="http://schemas.microsoft.com/office/powerpoint/2010/main" val="490248716"/>
       </p:ext>
     </p:extLst>
   </p:cSld>
@@ -5821,6 +5788,331 @@
           <a:p>
             <a:r>
               <a:rPr lang="en-GB" dirty="0"/>
+              <a:t>JavaScript </a:t>
+            </a:r>
+            <a:r>
+              <a:rPr lang="en-GB" dirty="0" err="1"/>
+              <a:t>GraphQL</a:t>
+            </a:r>
+            <a:r>
+              <a:rPr lang="en-GB" dirty="0"/>
+              <a:t> Clients</a:t>
+            </a:r>
+          </a:p>
+        </p:txBody>
+      </p:sp>
+      <p:sp>
+        <p:nvSpPr>
+          <p:cNvPr id="3" name="Content Placeholder 2"/>
+          <p:cNvSpPr>
+            <a:spLocks noGrp="1"/>
+          </p:cNvSpPr>
+          <p:nvPr>
+            <p:ph idx="1"/>
+          </p:nvPr>
+        </p:nvSpPr>
+        <p:spPr/>
+        <p:txBody>
+          <a:bodyPr/>
+          <a:lstStyle/>
+          <a:p>
+            <a:pPr marL="0" indent="0">
+              <a:buNone/>
+            </a:pPr>
+            <a:r>
+              <a:rPr lang="en-GB" sz="2000" dirty="0"/>
+              <a:t>Two of the most popular ones are:</a:t>
+            </a:r>
+          </a:p>
+          <a:p>
+            <a:pPr marL="0" indent="0">
+              <a:buNone/>
+            </a:pPr>
+            <a:endParaRPr lang="en-GB" sz="2000" dirty="0"/>
+          </a:p>
+          <a:p>
+            <a:r>
+              <a:rPr lang="en-GB" sz="2000" dirty="0"/>
+              <a:t>Relay: powerful </a:t>
+            </a:r>
+            <a:r>
+              <a:rPr lang="en-GB" sz="2000" dirty="0" err="1"/>
+              <a:t>GraphQL</a:t>
+            </a:r>
+            <a:r>
+              <a:rPr lang="en-GB" sz="2000" dirty="0"/>
+              <a:t> client developed by Facebook, heavily optimized for performance. It is only available on the web.</a:t>
+            </a:r>
+          </a:p>
+          <a:p>
+            <a:endParaRPr lang="en-GB" sz="2000" dirty="0"/>
+          </a:p>
+          <a:p>
+            <a:r>
+              <a:rPr lang="en-GB" sz="2000" dirty="0"/>
+              <a:t>Apollo Client: community-driven effort to build a powerful, flexible and production ready </a:t>
+            </a:r>
+            <a:r>
+              <a:rPr lang="en-GB" sz="2000" dirty="0" err="1"/>
+              <a:t>GraphQL</a:t>
+            </a:r>
+            <a:r>
+              <a:rPr lang="en-GB" sz="2000" dirty="0"/>
+              <a:t> client for all major development platforms. It support various frontend frameworks (React, Angular and </a:t>
+            </a:r>
+            <a:r>
+              <a:rPr lang="en-GB" sz="2000" dirty="0" err="1"/>
+              <a:t>Vue</a:t>
+            </a:r>
+            <a:r>
+              <a:rPr lang="en-GB" sz="2000" dirty="0"/>
+              <a:t>) and platforms (iOS, Android).</a:t>
+            </a:r>
+          </a:p>
+          <a:p>
+            <a:endParaRPr lang="en-GB" sz="2000" dirty="0"/>
+          </a:p>
+          <a:p>
+            <a:r>
+              <a:rPr lang="en-GB" sz="2000" dirty="0"/>
+              <a:t>A complete list of </a:t>
+            </a:r>
+            <a:r>
+              <a:rPr lang="en-GB" sz="2000" dirty="0" err="1"/>
+              <a:t>GraphQL</a:t>
+            </a:r>
+            <a:r>
+              <a:rPr lang="en-GB" sz="2000"/>
+              <a:t> client and server implementations for various languages can be found at http://graphql.org/code</a:t>
+            </a:r>
+            <a:endParaRPr lang="en-GB" sz="2000" dirty="0"/>
+          </a:p>
+        </p:txBody>
+      </p:sp>
+    </p:spTree>
+    <p:extLst>
+      <p:ext uri="{BB962C8B-B14F-4D97-AF65-F5344CB8AC3E}">
+        <p14:creationId xmlns:p14="http://schemas.microsoft.com/office/powerpoint/2010/main" val="1529580563"/>
+      </p:ext>
+    </p:extLst>
+  </p:cSld>
+  <p:clrMapOvr>
+    <a:masterClrMapping/>
+  </p:clrMapOvr>
+</p:sld>
+</file>
+
+<file path=ppt/slides/slide32.xml><?xml version="1.0" encoding="utf-8"?>
+<p:sld xmlns:a="http://schemas.openxmlformats.org/drawingml/2006/main" xmlns:r="http://schemas.openxmlformats.org/officeDocument/2006/relationships" xmlns:p="http://schemas.openxmlformats.org/presentationml/2006/main">
+  <p:cSld>
+    <p:spTree>
+      <p:nvGrpSpPr>
+        <p:cNvPr id="1" name=""/>
+        <p:cNvGrpSpPr/>
+        <p:nvPr/>
+      </p:nvGrpSpPr>
+      <p:grpSpPr>
+        <a:xfrm>
+          <a:off x="0" y="0"/>
+          <a:ext cx="0" cy="0"/>
+          <a:chOff x="0" y="0"/>
+          <a:chExt cx="0" cy="0"/>
+        </a:xfrm>
+      </p:grpSpPr>
+      <p:sp>
+        <p:nvSpPr>
+          <p:cNvPr id="2" name="Title 1"/>
+          <p:cNvSpPr>
+            <a:spLocks noGrp="1"/>
+          </p:cNvSpPr>
+          <p:nvPr>
+            <p:ph type="title"/>
+          </p:nvPr>
+        </p:nvSpPr>
+        <p:spPr/>
+        <p:txBody>
+          <a:bodyPr/>
+          <a:lstStyle/>
+          <a:p>
+            <a:r>
+              <a:rPr lang="en-GB" dirty="0" err="1"/>
+              <a:t>GraphQL</a:t>
+            </a:r>
+            <a:r>
+              <a:rPr lang="en-GB" dirty="0"/>
+              <a:t> disadvantages</a:t>
+            </a:r>
+          </a:p>
+        </p:txBody>
+      </p:sp>
+      <p:sp>
+        <p:nvSpPr>
+          <p:cNvPr id="3" name="Content Placeholder 2"/>
+          <p:cNvSpPr>
+            <a:spLocks noGrp="1"/>
+          </p:cNvSpPr>
+          <p:nvPr>
+            <p:ph idx="1"/>
+          </p:nvPr>
+        </p:nvSpPr>
+        <p:spPr>
+          <a:xfrm>
+            <a:off x="457200" y="1295400"/>
+            <a:ext cx="8229600" cy="4830763"/>
+          </a:xfrm>
+        </p:spPr>
+        <p:txBody>
+          <a:bodyPr>
+            <a:normAutofit fontScale="92500" lnSpcReduction="20000"/>
+          </a:bodyPr>
+          <a:lstStyle/>
+          <a:p>
+            <a:pPr marL="0" lvl="0" indent="0">
+              <a:buNone/>
+            </a:pPr>
+            <a:r>
+              <a:rPr lang="en-GB" sz="2100" dirty="0"/>
+              <a:t>One important threat that </a:t>
+            </a:r>
+            <a:r>
+              <a:rPr lang="en-GB" sz="2100" dirty="0" err="1"/>
+              <a:t>GraphQL</a:t>
+            </a:r>
+            <a:r>
+              <a:rPr lang="en-GB" sz="2100" dirty="0"/>
+              <a:t> makes easier is resource exhaustion attacks (AKA Denial of Service attacks). A </a:t>
+            </a:r>
+            <a:r>
+              <a:rPr lang="en-GB" sz="2100" dirty="0" err="1"/>
+              <a:t>GraphQL</a:t>
+            </a:r>
+            <a:r>
+              <a:rPr lang="en-GB" sz="2100" dirty="0"/>
+              <a:t> server can be attacked with overly complex queries that will consume all the resources of the server. It’s very simple to query for deep nested relationships (user -&gt; friends -&gt; friends …), or use field aliases to ask for the same field many times. Resource exhaustion attacks are not specific to </a:t>
+            </a:r>
+            <a:r>
+              <a:rPr lang="en-GB" sz="2100" dirty="0" err="1"/>
+              <a:t>GraphQL</a:t>
+            </a:r>
+            <a:r>
+              <a:rPr lang="en-GB" sz="2100" dirty="0"/>
+              <a:t>, but when working with </a:t>
+            </a:r>
+            <a:r>
+              <a:rPr lang="en-GB" sz="2100" dirty="0" err="1"/>
+              <a:t>GraphQL</a:t>
+            </a:r>
+            <a:r>
+              <a:rPr lang="en-GB" sz="2100" dirty="0"/>
+              <a:t> we have to be extra careful about them.</a:t>
+            </a:r>
+          </a:p>
+          <a:p>
+            <a:pPr marL="0" lvl="0" indent="0">
+              <a:buNone/>
+            </a:pPr>
+            <a:endParaRPr lang="en-GB" sz="2100" dirty="0"/>
+          </a:p>
+          <a:p>
+            <a:pPr marL="0" lvl="0" indent="0">
+              <a:buNone/>
+            </a:pPr>
+            <a:r>
+              <a:rPr lang="en-GB" sz="2100" dirty="0"/>
+              <a:t>There are some mitigations we can do here. We can do cost analysis on the query in advance and enforce some kind of limits on the amount of data one can consume. We can also implement a time-out to kill requests that take too long to resolve. Also, since </a:t>
+            </a:r>
+            <a:r>
+              <a:rPr lang="en-GB" sz="2100" dirty="0" err="1"/>
+              <a:t>GraphQL</a:t>
+            </a:r>
+            <a:r>
+              <a:rPr lang="en-GB" sz="2100" dirty="0"/>
+              <a:t> is just a resolving layer, we can handle the rate limits enforcement at a lower level under </a:t>
+            </a:r>
+            <a:r>
+              <a:rPr lang="en-GB" sz="2100" dirty="0" err="1"/>
+              <a:t>GraphQL</a:t>
+            </a:r>
+            <a:r>
+              <a:rPr lang="en-GB" sz="2100" dirty="0"/>
+              <a:t>.</a:t>
+            </a:r>
+          </a:p>
+          <a:p>
+            <a:pPr marL="0" lvl="0" indent="0">
+              <a:buNone/>
+            </a:pPr>
+            <a:endParaRPr lang="en-GB" sz="2100" dirty="0"/>
+          </a:p>
+          <a:p>
+            <a:pPr marL="0" lvl="0" indent="0">
+              <a:buNone/>
+            </a:pPr>
+            <a:r>
+              <a:rPr lang="en-GB" sz="2100" dirty="0"/>
+              <a:t>If the </a:t>
+            </a:r>
+            <a:r>
+              <a:rPr lang="en-GB" sz="2100" dirty="0" err="1"/>
+              <a:t>GraphQL</a:t>
+            </a:r>
+            <a:r>
+              <a:rPr lang="en-GB" sz="2100" dirty="0"/>
+              <a:t> API endpoint we’re trying to protect is not public and is meant for internal consumption of our own clients (web or mobile), we can use a whitelist approach and pre-approve queries that the server can execute. Clients can just ask the servers to execute pre-approved queries using a query unique identifier. Facebook seems to be using this approach.</a:t>
+            </a:r>
+          </a:p>
+          <a:p>
+            <a:endParaRPr lang="en-GB" dirty="0"/>
+          </a:p>
+        </p:txBody>
+      </p:sp>
+    </p:spTree>
+    <p:extLst>
+      <p:ext uri="{BB962C8B-B14F-4D97-AF65-F5344CB8AC3E}">
+        <p14:creationId xmlns:p14="http://schemas.microsoft.com/office/powerpoint/2010/main" val="2047133226"/>
+      </p:ext>
+    </p:extLst>
+  </p:cSld>
+  <p:clrMapOvr>
+    <a:masterClrMapping/>
+  </p:clrMapOvr>
+</p:sld>
+</file>
+
+<file path=ppt/slides/slide33.xml><?xml version="1.0" encoding="utf-8"?>
+<p:sld xmlns:a="http://schemas.openxmlformats.org/drawingml/2006/main" xmlns:r="http://schemas.openxmlformats.org/officeDocument/2006/relationships" xmlns:p="http://schemas.openxmlformats.org/presentationml/2006/main">
+  <p:cSld>
+    <p:spTree>
+      <p:nvGrpSpPr>
+        <p:cNvPr id="1" name=""/>
+        <p:cNvGrpSpPr/>
+        <p:nvPr/>
+      </p:nvGrpSpPr>
+      <p:grpSpPr>
+        <a:xfrm>
+          <a:off x="0" y="0"/>
+          <a:ext cx="0" cy="0"/>
+          <a:chOff x="0" y="0"/>
+          <a:chExt cx="0" cy="0"/>
+        </a:xfrm>
+      </p:grpSpPr>
+      <p:sp>
+        <p:nvSpPr>
+          <p:cNvPr id="2" name="Title 1"/>
+          <p:cNvSpPr>
+            <a:spLocks noGrp="1"/>
+          </p:cNvSpPr>
+          <p:nvPr>
+            <p:ph type="title"/>
+          </p:nvPr>
+        </p:nvSpPr>
+        <p:spPr/>
+        <p:txBody>
+          <a:bodyPr/>
+          <a:lstStyle/>
+          <a:p>
+            <a:r>
+              <a:rPr lang="en-GB" dirty="0"/>
               <a:t>Caching	</a:t>
             </a:r>
           </a:p>
@@ -5975,7 +6267,7 @@
 </p:sld>
 </file>
 
-<file path=ppt/slides/slide32.xml><?xml version="1.0" encoding="utf-8"?>
+<file path=ppt/slides/slide34.xml><?xml version="1.0" encoding="utf-8"?>
 <p:sld xmlns:a="http://schemas.openxmlformats.org/drawingml/2006/main" xmlns:r="http://schemas.openxmlformats.org/officeDocument/2006/relationships" xmlns:p="http://schemas.openxmlformats.org/presentationml/2006/main">
   <p:cSld>
     <p:spTree>
@@ -6059,7 +6351,7 @@
 </p:sld>
 </file>
 
-<file path=ppt/slides/slide33.xml><?xml version="1.0" encoding="utf-8"?>
+<file path=ppt/slides/slide35.xml><?xml version="1.0" encoding="utf-8"?>
 <p:sld xmlns:a="http://schemas.openxmlformats.org/drawingml/2006/main" xmlns:r="http://schemas.openxmlformats.org/officeDocument/2006/relationships" xmlns:p="http://schemas.openxmlformats.org/presentationml/2006/main">
   <p:cSld>
     <p:spTree>
@@ -6320,7 +6612,7 @@
 </p:sld>
 </file>
 
-<file path=ppt/slides/slide34.xml><?xml version="1.0" encoding="utf-8"?>
+<file path=ppt/slides/slide36.xml><?xml version="1.0" encoding="utf-8"?>
 <p:sld xmlns:a="http://schemas.openxmlformats.org/drawingml/2006/main" xmlns:r="http://schemas.openxmlformats.org/officeDocument/2006/relationships" xmlns:p="http://schemas.openxmlformats.org/presentationml/2006/main">
   <p:cSld>
     <p:spTree>

--- a/GraphQL_v3.pptx
+++ b/GraphQL_v3.pptx
@@ -338,7 +338,7 @@
             <a:fld id="{1D8BD707-D9CF-40AE-B4C6-C98DA3205C09}" type="datetimeFigureOut">
               <a:rPr lang="en-US" smtClean="0"/>
               <a:pPr/>
-              <a:t>4/9/2019</a:t>
+              <a:t>4/12/2019</a:t>
             </a:fld>
             <a:endParaRPr lang="en-US"/>
           </a:p>
@@ -503,7 +503,7 @@
             <a:fld id="{1D8BD707-D9CF-40AE-B4C6-C98DA3205C09}" type="datetimeFigureOut">
               <a:rPr lang="en-US" smtClean="0"/>
               <a:pPr/>
-              <a:t>4/9/2019</a:t>
+              <a:t>4/12/2019</a:t>
             </a:fld>
             <a:endParaRPr lang="en-US"/>
           </a:p>
@@ -678,7 +678,7 @@
             <a:fld id="{1D8BD707-D9CF-40AE-B4C6-C98DA3205C09}" type="datetimeFigureOut">
               <a:rPr lang="en-US" smtClean="0"/>
               <a:pPr/>
-              <a:t>4/9/2019</a:t>
+              <a:t>4/12/2019</a:t>
             </a:fld>
             <a:endParaRPr lang="en-US"/>
           </a:p>
@@ -843,7 +843,7 @@
             <a:fld id="{1D8BD707-D9CF-40AE-B4C6-C98DA3205C09}" type="datetimeFigureOut">
               <a:rPr lang="en-US" smtClean="0"/>
               <a:pPr/>
-              <a:t>4/9/2019</a:t>
+              <a:t>4/12/2019</a:t>
             </a:fld>
             <a:endParaRPr lang="en-US"/>
           </a:p>
@@ -1085,7 +1085,7 @@
             <a:fld id="{1D8BD707-D9CF-40AE-B4C6-C98DA3205C09}" type="datetimeFigureOut">
               <a:rPr lang="en-US" smtClean="0"/>
               <a:pPr/>
-              <a:t>4/9/2019</a:t>
+              <a:t>4/12/2019</a:t>
             </a:fld>
             <a:endParaRPr lang="en-US"/>
           </a:p>
@@ -1367,7 +1367,7 @@
             <a:fld id="{1D8BD707-D9CF-40AE-B4C6-C98DA3205C09}" type="datetimeFigureOut">
               <a:rPr lang="en-US" smtClean="0"/>
               <a:pPr/>
-              <a:t>4/9/2019</a:t>
+              <a:t>4/12/2019</a:t>
             </a:fld>
             <a:endParaRPr lang="en-US"/>
           </a:p>
@@ -1783,7 +1783,7 @@
             <a:fld id="{1D8BD707-D9CF-40AE-B4C6-C98DA3205C09}" type="datetimeFigureOut">
               <a:rPr lang="en-US" smtClean="0"/>
               <a:pPr/>
-              <a:t>4/9/2019</a:t>
+              <a:t>4/12/2019</a:t>
             </a:fld>
             <a:endParaRPr lang="en-US"/>
           </a:p>
@@ -1897,7 +1897,7 @@
             <a:fld id="{1D8BD707-D9CF-40AE-B4C6-C98DA3205C09}" type="datetimeFigureOut">
               <a:rPr lang="en-US" smtClean="0"/>
               <a:pPr/>
-              <a:t>4/9/2019</a:t>
+              <a:t>4/12/2019</a:t>
             </a:fld>
             <a:endParaRPr lang="en-US"/>
           </a:p>
@@ -1989,7 +1989,7 @@
             <a:fld id="{1D8BD707-D9CF-40AE-B4C6-C98DA3205C09}" type="datetimeFigureOut">
               <a:rPr lang="en-US" smtClean="0"/>
               <a:pPr/>
-              <a:t>4/9/2019</a:t>
+              <a:t>4/12/2019</a:t>
             </a:fld>
             <a:endParaRPr lang="en-US"/>
           </a:p>
@@ -2261,7 +2261,7 @@
             <a:fld id="{1D8BD707-D9CF-40AE-B4C6-C98DA3205C09}" type="datetimeFigureOut">
               <a:rPr lang="en-US" smtClean="0"/>
               <a:pPr/>
-              <a:t>4/9/2019</a:t>
+              <a:t>4/12/2019</a:t>
             </a:fld>
             <a:endParaRPr lang="en-US"/>
           </a:p>
@@ -2510,7 +2510,7 @@
             <a:fld id="{1D8BD707-D9CF-40AE-B4C6-C98DA3205C09}" type="datetimeFigureOut">
               <a:rPr lang="en-US" smtClean="0"/>
               <a:pPr/>
-              <a:t>4/9/2019</a:t>
+              <a:t>4/12/2019</a:t>
             </a:fld>
             <a:endParaRPr lang="en-US"/>
           </a:p>
@@ -2718,7 +2718,7 @@
             <a:fld id="{1D8BD707-D9CF-40AE-B4C6-C98DA3205C09}" type="datetimeFigureOut">
               <a:rPr lang="en-US" smtClean="0"/>
               <a:pPr/>
-              <a:t>4/9/2019</a:t>
+              <a:t>4/12/2019</a:t>
             </a:fld>
             <a:endParaRPr lang="en-US"/>
           </a:p>
@@ -6136,7 +6136,7 @@
         </p:spPr>
         <p:txBody>
           <a:bodyPr>
-            <a:normAutofit fontScale="62500" lnSpcReduction="20000"/>
+            <a:normAutofit fontScale="70000" lnSpcReduction="20000"/>
           </a:bodyPr>
           <a:lstStyle/>
           <a:p>
@@ -6195,12 +6195,8 @@
               <a:buNone/>
             </a:pPr>
             <a:r>
-              <a:rPr lang="en-GB" dirty="0" err="1"/>
-              <a:t>GraphQL</a:t>
-            </a:r>
-            <a:r>
               <a:rPr lang="en-GB" dirty="0"/>
-              <a:t> doesn’t follow the HTTP spec for caching and instead uses a single endpoint. Thus, it’s up to the developer to ensure caching is implemented correctly for non-mutable queries that can be cached. The correct key has to be used for </a:t>
+              <a:t>Lack of and instead uses a single endpoint. Thus, it’s up to the developer to ensure caching is implemented correctly for non-mutable queries that can be cached. The correct key has to be used for </a:t>
             </a:r>
           </a:p>
           <a:p>

--- a/GraphQL_v3.pptx
+++ b/GraphQL_v3.pptx
@@ -338,7 +338,7 @@
             <a:fld id="{1D8BD707-D9CF-40AE-B4C6-C98DA3205C09}" type="datetimeFigureOut">
               <a:rPr lang="en-US" smtClean="0"/>
               <a:pPr/>
-              <a:t>4/12/2019</a:t>
+              <a:t>4/15/2019</a:t>
             </a:fld>
             <a:endParaRPr lang="en-US"/>
           </a:p>
@@ -503,7 +503,7 @@
             <a:fld id="{1D8BD707-D9CF-40AE-B4C6-C98DA3205C09}" type="datetimeFigureOut">
               <a:rPr lang="en-US" smtClean="0"/>
               <a:pPr/>
-              <a:t>4/12/2019</a:t>
+              <a:t>4/15/2019</a:t>
             </a:fld>
             <a:endParaRPr lang="en-US"/>
           </a:p>
@@ -678,7 +678,7 @@
             <a:fld id="{1D8BD707-D9CF-40AE-B4C6-C98DA3205C09}" type="datetimeFigureOut">
               <a:rPr lang="en-US" smtClean="0"/>
               <a:pPr/>
-              <a:t>4/12/2019</a:t>
+              <a:t>4/15/2019</a:t>
             </a:fld>
             <a:endParaRPr lang="en-US"/>
           </a:p>
@@ -843,7 +843,7 @@
             <a:fld id="{1D8BD707-D9CF-40AE-B4C6-C98DA3205C09}" type="datetimeFigureOut">
               <a:rPr lang="en-US" smtClean="0"/>
               <a:pPr/>
-              <a:t>4/12/2019</a:t>
+              <a:t>4/15/2019</a:t>
             </a:fld>
             <a:endParaRPr lang="en-US"/>
           </a:p>
@@ -1085,7 +1085,7 @@
             <a:fld id="{1D8BD707-D9CF-40AE-B4C6-C98DA3205C09}" type="datetimeFigureOut">
               <a:rPr lang="en-US" smtClean="0"/>
               <a:pPr/>
-              <a:t>4/12/2019</a:t>
+              <a:t>4/15/2019</a:t>
             </a:fld>
             <a:endParaRPr lang="en-US"/>
           </a:p>
@@ -1367,7 +1367,7 @@
             <a:fld id="{1D8BD707-D9CF-40AE-B4C6-C98DA3205C09}" type="datetimeFigureOut">
               <a:rPr lang="en-US" smtClean="0"/>
               <a:pPr/>
-              <a:t>4/12/2019</a:t>
+              <a:t>4/15/2019</a:t>
             </a:fld>
             <a:endParaRPr lang="en-US"/>
           </a:p>
@@ -1783,7 +1783,7 @@
             <a:fld id="{1D8BD707-D9CF-40AE-B4C6-C98DA3205C09}" type="datetimeFigureOut">
               <a:rPr lang="en-US" smtClean="0"/>
               <a:pPr/>
-              <a:t>4/12/2019</a:t>
+              <a:t>4/15/2019</a:t>
             </a:fld>
             <a:endParaRPr lang="en-US"/>
           </a:p>
@@ -1897,7 +1897,7 @@
             <a:fld id="{1D8BD707-D9CF-40AE-B4C6-C98DA3205C09}" type="datetimeFigureOut">
               <a:rPr lang="en-US" smtClean="0"/>
               <a:pPr/>
-              <a:t>4/12/2019</a:t>
+              <a:t>4/15/2019</a:t>
             </a:fld>
             <a:endParaRPr lang="en-US"/>
           </a:p>
@@ -1989,7 +1989,7 @@
             <a:fld id="{1D8BD707-D9CF-40AE-B4C6-C98DA3205C09}" type="datetimeFigureOut">
               <a:rPr lang="en-US" smtClean="0"/>
               <a:pPr/>
-              <a:t>4/12/2019</a:t>
+              <a:t>4/15/2019</a:t>
             </a:fld>
             <a:endParaRPr lang="en-US"/>
           </a:p>
@@ -2261,7 +2261,7 @@
             <a:fld id="{1D8BD707-D9CF-40AE-B4C6-C98DA3205C09}" type="datetimeFigureOut">
               <a:rPr lang="en-US" smtClean="0"/>
               <a:pPr/>
-              <a:t>4/12/2019</a:t>
+              <a:t>4/15/2019</a:t>
             </a:fld>
             <a:endParaRPr lang="en-US"/>
           </a:p>
@@ -2510,7 +2510,7 @@
             <a:fld id="{1D8BD707-D9CF-40AE-B4C6-C98DA3205C09}" type="datetimeFigureOut">
               <a:rPr lang="en-US" smtClean="0"/>
               <a:pPr/>
-              <a:t>4/12/2019</a:t>
+              <a:t>4/15/2019</a:t>
             </a:fld>
             <a:endParaRPr lang="en-US"/>
           </a:p>
@@ -2718,7 +2718,7 @@
             <a:fld id="{1D8BD707-D9CF-40AE-B4C6-C98DA3205C09}" type="datetimeFigureOut">
               <a:rPr lang="en-US" smtClean="0"/>
               <a:pPr/>
-              <a:t>4/12/2019</a:t>
+              <a:t>4/15/2019</a:t>
             </a:fld>
             <a:endParaRPr lang="en-US"/>
           </a:p>
@@ -6386,7 +6386,7 @@
           <a:lstStyle/>
           <a:p>
             <a:r>
-              <a:rPr lang="en-GB">
+              <a:rPr lang="en-GB" dirty="0">
                 <a:hlinkClick r:id="rId2"/>
               </a:rPr>
               <a:t>https://www.slideshare.net/nburk/react-graphql</a:t>
